--- a/Präsentationen/Finale_präsentation/siai_endpräsentation.pptx
+++ b/Präsentationen/Finale_präsentation/siai_endpräsentation.pptx
@@ -6,7 +6,11 @@
   </p:sldMasterIdLst>
   <p:sldIdLst>
     <p:sldId id="257" r:id="rId2"/>
-    <p:sldId id="258" r:id="rId3"/>
+    <p:sldId id="261" r:id="rId3"/>
+    <p:sldId id="260" r:id="rId4"/>
+    <p:sldId id="262" r:id="rId5"/>
+    <p:sldId id="263" r:id="rId6"/>
+    <p:sldId id="258" r:id="rId7"/>
   </p:sldIdLst>
   <p:sldSz cx="12192000" cy="6858000"/>
   <p:notesSz cx="6858000" cy="9144000"/>
@@ -163,7 +167,7 @@
           <a:noFill/>
           <a:extLst>
             <a:ext uri="{909E8E84-426E-40dd-AFC4-6F175D3DCCD1}">
-              <a14:hiddenFill xmlns="" xmlns:a14="http://schemas.microsoft.com/office/drawing/2010/main">
+              <a14:hiddenFill xmlns:a14="http://schemas.microsoft.com/office/drawing/2010/main" xmlns="">
                 <a:solidFill>
                   <a:srgbClr val="FFFFFF"/>
                 </a:solidFill>
@@ -223,7 +227,7 @@
             </a:ln>
             <a:extLst>
               <a:ext uri="{91240B29-F687-4f45-9708-019B960494DF}">
-                <a14:hiddenLine xmlns="" xmlns:a14="http://schemas.microsoft.com/office/drawing/2010/main" w="9525">
+                <a14:hiddenLine xmlns:a14="http://schemas.microsoft.com/office/drawing/2010/main" xmlns="" w="9525">
                   <a:solidFill>
                     <a:srgbClr val="000000"/>
                   </a:solidFill>
@@ -313,7 +317,7 @@
             </a:ln>
             <a:extLst>
               <a:ext uri="{91240B29-F687-4f45-9708-019B960494DF}">
-                <a14:hiddenLine xmlns="" xmlns:a14="http://schemas.microsoft.com/office/drawing/2010/main" w="9525">
+                <a14:hiddenLine xmlns:a14="http://schemas.microsoft.com/office/drawing/2010/main" xmlns="" w="9525">
                   <a:solidFill>
                     <a:srgbClr val="000000"/>
                   </a:solidFill>
@@ -403,7 +407,7 @@
             </a:ln>
             <a:extLst>
               <a:ext uri="{91240B29-F687-4f45-9708-019B960494DF}">
-                <a14:hiddenLine xmlns="" xmlns:a14="http://schemas.microsoft.com/office/drawing/2010/main" w="9525">
+                <a14:hiddenLine xmlns:a14="http://schemas.microsoft.com/office/drawing/2010/main" xmlns="" w="9525">
                   <a:solidFill>
                     <a:srgbClr val="000000"/>
                   </a:solidFill>
@@ -437,7 +441,7 @@
             </a:ln>
             <a:extLst>
               <a:ext uri="{91240B29-F687-4f45-9708-019B960494DF}">
-                <a14:hiddenLine xmlns="" xmlns:a14="http://schemas.microsoft.com/office/drawing/2010/main" w="9525">
+                <a14:hiddenLine xmlns:a14="http://schemas.microsoft.com/office/drawing/2010/main" xmlns="" w="9525">
                   <a:solidFill>
                     <a:srgbClr val="000000"/>
                   </a:solidFill>
@@ -527,7 +531,7 @@
             </a:ln>
             <a:extLst>
               <a:ext uri="{91240B29-F687-4f45-9708-019B960494DF}">
-                <a14:hiddenLine xmlns="" xmlns:a14="http://schemas.microsoft.com/office/drawing/2010/main" w="9525">
+                <a14:hiddenLine xmlns:a14="http://schemas.microsoft.com/office/drawing/2010/main" xmlns="" w="9525">
                   <a:solidFill>
                     <a:srgbClr val="000000"/>
                   </a:solidFill>
@@ -589,7 +593,7 @@
             </a:ln>
             <a:extLst>
               <a:ext uri="{91240B29-F687-4f45-9708-019B960494DF}">
-                <a14:hiddenLine xmlns="" xmlns:a14="http://schemas.microsoft.com/office/drawing/2010/main" w="9525">
+                <a14:hiddenLine xmlns:a14="http://schemas.microsoft.com/office/drawing/2010/main" xmlns="" w="9525">
                   <a:solidFill>
                     <a:srgbClr val="000000"/>
                   </a:solidFill>
@@ -651,7 +655,7 @@
             </a:ln>
             <a:extLst>
               <a:ext uri="{91240B29-F687-4f45-9708-019B960494DF}">
-                <a14:hiddenLine xmlns="" xmlns:a14="http://schemas.microsoft.com/office/drawing/2010/main" w="9525">
+                <a14:hiddenLine xmlns:a14="http://schemas.microsoft.com/office/drawing/2010/main" xmlns="" w="9525">
                   <a:solidFill>
                     <a:srgbClr val="000000"/>
                   </a:solidFill>
@@ -741,7 +745,7 @@
             </a:ln>
             <a:extLst>
               <a:ext uri="{91240B29-F687-4f45-9708-019B960494DF}">
-                <a14:hiddenLine xmlns="" xmlns:a14="http://schemas.microsoft.com/office/drawing/2010/main" w="9525">
+                <a14:hiddenLine xmlns:a14="http://schemas.microsoft.com/office/drawing/2010/main" xmlns="" w="9525">
                   <a:solidFill>
                     <a:srgbClr val="000000"/>
                   </a:solidFill>
@@ -803,7 +807,7 @@
             </a:ln>
             <a:extLst>
               <a:ext uri="{91240B29-F687-4f45-9708-019B960494DF}">
-                <a14:hiddenLine xmlns="" xmlns:a14="http://schemas.microsoft.com/office/drawing/2010/main" w="9525">
+                <a14:hiddenLine xmlns:a14="http://schemas.microsoft.com/office/drawing/2010/main" xmlns="" w="9525">
                   <a:solidFill>
                     <a:srgbClr val="000000"/>
                   </a:solidFill>
@@ -865,7 +869,7 @@
             </a:ln>
             <a:extLst>
               <a:ext uri="{91240B29-F687-4f45-9708-019B960494DF}">
-                <a14:hiddenLine xmlns="" xmlns:a14="http://schemas.microsoft.com/office/drawing/2010/main" w="9525">
+                <a14:hiddenLine xmlns:a14="http://schemas.microsoft.com/office/drawing/2010/main" xmlns="" w="9525">
                   <a:solidFill>
                     <a:srgbClr val="000000"/>
                   </a:solidFill>
@@ -955,7 +959,7 @@
             </a:ln>
             <a:extLst>
               <a:ext uri="{91240B29-F687-4f45-9708-019B960494DF}">
-                <a14:hiddenLine xmlns="" xmlns:a14="http://schemas.microsoft.com/office/drawing/2010/main" w="9525">
+                <a14:hiddenLine xmlns:a14="http://schemas.microsoft.com/office/drawing/2010/main" xmlns="" w="9525">
                   <a:solidFill>
                     <a:srgbClr val="000000"/>
                   </a:solidFill>
@@ -1045,7 +1049,7 @@
             </a:ln>
             <a:extLst>
               <a:ext uri="{91240B29-F687-4f45-9708-019B960494DF}">
-                <a14:hiddenLine xmlns="" xmlns:a14="http://schemas.microsoft.com/office/drawing/2010/main" w="9525">
+                <a14:hiddenLine xmlns:a14="http://schemas.microsoft.com/office/drawing/2010/main" xmlns="" w="9525">
                   <a:solidFill>
                     <a:srgbClr val="000000"/>
                   </a:solidFill>
@@ -1107,7 +1111,7 @@
             </a:ln>
             <a:extLst>
               <a:ext uri="{91240B29-F687-4f45-9708-019B960494DF}">
-                <a14:hiddenLine xmlns="" xmlns:a14="http://schemas.microsoft.com/office/drawing/2010/main" w="9525">
+                <a14:hiddenLine xmlns:a14="http://schemas.microsoft.com/office/drawing/2010/main" xmlns="" w="9525">
                   <a:solidFill>
                     <a:srgbClr val="000000"/>
                   </a:solidFill>
@@ -1217,7 +1221,7 @@
             </a:ln>
             <a:extLst>
               <a:ext uri="{91240B29-F687-4f45-9708-019B960494DF}">
-                <a14:hiddenLine xmlns="" xmlns:a14="http://schemas.microsoft.com/office/drawing/2010/main" w="9525">
+                <a14:hiddenLine xmlns:a14="http://schemas.microsoft.com/office/drawing/2010/main" xmlns="" w="9525">
                   <a:solidFill>
                     <a:srgbClr val="000000"/>
                   </a:solidFill>
@@ -1279,7 +1283,7 @@
             </a:ln>
             <a:extLst>
               <a:ext uri="{91240B29-F687-4f45-9708-019B960494DF}">
-                <a14:hiddenLine xmlns="" xmlns:a14="http://schemas.microsoft.com/office/drawing/2010/main" w="9525">
+                <a14:hiddenLine xmlns:a14="http://schemas.microsoft.com/office/drawing/2010/main" xmlns="" w="9525">
                   <a:solidFill>
                     <a:srgbClr val="000000"/>
                   </a:solidFill>
@@ -1369,7 +1373,7 @@
             </a:ln>
             <a:extLst>
               <a:ext uri="{91240B29-F687-4f45-9708-019B960494DF}">
-                <a14:hiddenLine xmlns="" xmlns:a14="http://schemas.microsoft.com/office/drawing/2010/main" w="9525">
+                <a14:hiddenLine xmlns:a14="http://schemas.microsoft.com/office/drawing/2010/main" xmlns="" w="9525">
                   <a:solidFill>
                     <a:srgbClr val="000000"/>
                   </a:solidFill>
@@ -1459,7 +1463,7 @@
             </a:ln>
             <a:extLst>
               <a:ext uri="{91240B29-F687-4f45-9708-019B960494DF}">
-                <a14:hiddenLine xmlns="" xmlns:a14="http://schemas.microsoft.com/office/drawing/2010/main" w="9525">
+                <a14:hiddenLine xmlns:a14="http://schemas.microsoft.com/office/drawing/2010/main" xmlns="" w="9525">
                   <a:solidFill>
                     <a:srgbClr val="000000"/>
                   </a:solidFill>
@@ -1521,7 +1525,7 @@
             </a:ln>
             <a:extLst>
               <a:ext uri="{91240B29-F687-4f45-9708-019B960494DF}">
-                <a14:hiddenLine xmlns="" xmlns:a14="http://schemas.microsoft.com/office/drawing/2010/main" w="9525">
+                <a14:hiddenLine xmlns:a14="http://schemas.microsoft.com/office/drawing/2010/main" xmlns="" w="9525">
                   <a:solidFill>
                     <a:srgbClr val="000000"/>
                   </a:solidFill>
@@ -1611,7 +1615,7 @@
             </a:ln>
             <a:extLst>
               <a:ext uri="{91240B29-F687-4f45-9708-019B960494DF}">
-                <a14:hiddenLine xmlns="" xmlns:a14="http://schemas.microsoft.com/office/drawing/2010/main" w="9525">
+                <a14:hiddenLine xmlns:a14="http://schemas.microsoft.com/office/drawing/2010/main" xmlns="" w="9525">
                   <a:solidFill>
                     <a:srgbClr val="000000"/>
                   </a:solidFill>
@@ -1701,7 +1705,7 @@
             </a:ln>
             <a:extLst>
               <a:ext uri="{91240B29-F687-4f45-9708-019B960494DF}">
-                <a14:hiddenLine xmlns="" xmlns:a14="http://schemas.microsoft.com/office/drawing/2010/main" w="9525">
+                <a14:hiddenLine xmlns:a14="http://schemas.microsoft.com/office/drawing/2010/main" xmlns="" w="9525">
                   <a:solidFill>
                     <a:srgbClr val="000000"/>
                   </a:solidFill>
@@ -1757,7 +1761,7 @@
             </a:ln>
             <a:extLst>
               <a:ext uri="{91240B29-F687-4f45-9708-019B960494DF}">
-                <a14:hiddenLine xmlns="" xmlns:a14="http://schemas.microsoft.com/office/drawing/2010/main" w="9525">
+                <a14:hiddenLine xmlns:a14="http://schemas.microsoft.com/office/drawing/2010/main" xmlns="" w="9525">
                   <a:solidFill>
                     <a:srgbClr val="000000"/>
                   </a:solidFill>
@@ -1847,7 +1851,7 @@
             </a:ln>
             <a:extLst>
               <a:ext uri="{91240B29-F687-4f45-9708-019B960494DF}">
-                <a14:hiddenLine xmlns="" xmlns:a14="http://schemas.microsoft.com/office/drawing/2010/main" w="9525">
+                <a14:hiddenLine xmlns:a14="http://schemas.microsoft.com/office/drawing/2010/main" xmlns="" w="9525">
                   <a:solidFill>
                     <a:srgbClr val="000000"/>
                   </a:solidFill>
@@ -1903,7 +1907,7 @@
             </a:ln>
             <a:extLst>
               <a:ext uri="{91240B29-F687-4f45-9708-019B960494DF}">
-                <a14:hiddenLine xmlns="" xmlns:a14="http://schemas.microsoft.com/office/drawing/2010/main" w="9525">
+                <a14:hiddenLine xmlns:a14="http://schemas.microsoft.com/office/drawing/2010/main" xmlns="" w="9525">
                   <a:solidFill>
                     <a:srgbClr val="000000"/>
                   </a:solidFill>
@@ -1993,7 +1997,7 @@
             </a:ln>
             <a:extLst>
               <a:ext uri="{91240B29-F687-4f45-9708-019B960494DF}">
-                <a14:hiddenLine xmlns="" xmlns:a14="http://schemas.microsoft.com/office/drawing/2010/main" w="9525">
+                <a14:hiddenLine xmlns:a14="http://schemas.microsoft.com/office/drawing/2010/main" xmlns="" w="9525">
                   <a:solidFill>
                     <a:srgbClr val="000000"/>
                   </a:solidFill>
@@ -2061,7 +2065,7 @@
             </a:ln>
             <a:extLst>
               <a:ext uri="{91240B29-F687-4f45-9708-019B960494DF}">
-                <a14:hiddenLine xmlns="" xmlns:a14="http://schemas.microsoft.com/office/drawing/2010/main" w="9525">
+                <a14:hiddenLine xmlns:a14="http://schemas.microsoft.com/office/drawing/2010/main" xmlns="" w="9525">
                   <a:solidFill>
                     <a:srgbClr val="000000"/>
                   </a:solidFill>
@@ -2151,7 +2155,7 @@
             </a:ln>
             <a:extLst>
               <a:ext uri="{91240B29-F687-4f45-9708-019B960494DF}">
-                <a14:hiddenLine xmlns="" xmlns:a14="http://schemas.microsoft.com/office/drawing/2010/main" w="9525">
+                <a14:hiddenLine xmlns:a14="http://schemas.microsoft.com/office/drawing/2010/main" xmlns="" w="9525">
                   <a:solidFill>
                     <a:srgbClr val="000000"/>
                   </a:solidFill>
@@ -2219,7 +2223,7 @@
             </a:ln>
             <a:extLst>
               <a:ext uri="{91240B29-F687-4f45-9708-019B960494DF}">
-                <a14:hiddenLine xmlns="" xmlns:a14="http://schemas.microsoft.com/office/drawing/2010/main" w="9525">
+                <a14:hiddenLine xmlns:a14="http://schemas.microsoft.com/office/drawing/2010/main" xmlns="" w="9525">
                   <a:solidFill>
                     <a:srgbClr val="000000"/>
                   </a:solidFill>
@@ -2309,7 +2313,7 @@
             </a:ln>
             <a:extLst>
               <a:ext uri="{91240B29-F687-4f45-9708-019B960494DF}">
-                <a14:hiddenLine xmlns="" xmlns:a14="http://schemas.microsoft.com/office/drawing/2010/main" w="9525">
+                <a14:hiddenLine xmlns:a14="http://schemas.microsoft.com/office/drawing/2010/main" xmlns="" w="9525">
                   <a:solidFill>
                     <a:srgbClr val="000000"/>
                   </a:solidFill>
@@ -2343,7 +2347,7 @@
             </a:ln>
             <a:extLst>
               <a:ext uri="{91240B29-F687-4f45-9708-019B960494DF}">
-                <a14:hiddenLine xmlns="" xmlns:a14="http://schemas.microsoft.com/office/drawing/2010/main" w="9525">
+                <a14:hiddenLine xmlns:a14="http://schemas.microsoft.com/office/drawing/2010/main" xmlns="" w="9525">
                   <a:solidFill>
                     <a:srgbClr val="000000"/>
                   </a:solidFill>
@@ -2433,7 +2437,7 @@
             </a:ln>
             <a:extLst>
               <a:ext uri="{91240B29-F687-4f45-9708-019B960494DF}">
-                <a14:hiddenLine xmlns="" xmlns:a14="http://schemas.microsoft.com/office/drawing/2010/main" w="9525">
+                <a14:hiddenLine xmlns:a14="http://schemas.microsoft.com/office/drawing/2010/main" xmlns="" w="9525">
                   <a:solidFill>
                     <a:srgbClr val="000000"/>
                   </a:solidFill>
@@ -2495,7 +2499,7 @@
             </a:ln>
             <a:extLst>
               <a:ext uri="{91240B29-F687-4f45-9708-019B960494DF}">
-                <a14:hiddenLine xmlns="" xmlns:a14="http://schemas.microsoft.com/office/drawing/2010/main" w="9525">
+                <a14:hiddenLine xmlns:a14="http://schemas.microsoft.com/office/drawing/2010/main" xmlns="" w="9525">
                   <a:solidFill>
                     <a:srgbClr val="000000"/>
                   </a:solidFill>
@@ -2557,7 +2561,7 @@
             </a:ln>
             <a:extLst>
               <a:ext uri="{91240B29-F687-4f45-9708-019B960494DF}">
-                <a14:hiddenLine xmlns="" xmlns:a14="http://schemas.microsoft.com/office/drawing/2010/main" w="9525">
+                <a14:hiddenLine xmlns:a14="http://schemas.microsoft.com/office/drawing/2010/main" xmlns="" w="9525">
                   <a:solidFill>
                     <a:srgbClr val="000000"/>
                   </a:solidFill>
@@ -2647,7 +2651,7 @@
             </a:ln>
             <a:extLst>
               <a:ext uri="{91240B29-F687-4f45-9708-019B960494DF}">
-                <a14:hiddenLine xmlns="" xmlns:a14="http://schemas.microsoft.com/office/drawing/2010/main" w="9525">
+                <a14:hiddenLine xmlns:a14="http://schemas.microsoft.com/office/drawing/2010/main" xmlns="" w="9525">
                   <a:solidFill>
                     <a:srgbClr val="000000"/>
                   </a:solidFill>
@@ -2715,7 +2719,7 @@
             </a:ln>
             <a:extLst>
               <a:ext uri="{91240B29-F687-4f45-9708-019B960494DF}">
-                <a14:hiddenLine xmlns="" xmlns:a14="http://schemas.microsoft.com/office/drawing/2010/main" w="9525">
+                <a14:hiddenLine xmlns:a14="http://schemas.microsoft.com/office/drawing/2010/main" xmlns="" w="9525">
                   <a:solidFill>
                     <a:srgbClr val="000000"/>
                   </a:solidFill>
@@ -2777,7 +2781,7 @@
             </a:ln>
             <a:extLst>
               <a:ext uri="{91240B29-F687-4f45-9708-019B960494DF}">
-                <a14:hiddenLine xmlns="" xmlns:a14="http://schemas.microsoft.com/office/drawing/2010/main" w="9525">
+                <a14:hiddenLine xmlns:a14="http://schemas.microsoft.com/office/drawing/2010/main" xmlns="" w="9525">
                   <a:solidFill>
                     <a:srgbClr val="000000"/>
                   </a:solidFill>
@@ -2867,7 +2871,7 @@
             </a:ln>
             <a:extLst>
               <a:ext uri="{91240B29-F687-4f45-9708-019B960494DF}">
-                <a14:hiddenLine xmlns="" xmlns:a14="http://schemas.microsoft.com/office/drawing/2010/main" w="9525">
+                <a14:hiddenLine xmlns:a14="http://schemas.microsoft.com/office/drawing/2010/main" xmlns="" w="9525">
                   <a:solidFill>
                     <a:srgbClr val="000000"/>
                   </a:solidFill>
@@ -2929,7 +2933,7 @@
             </a:ln>
             <a:extLst>
               <a:ext uri="{91240B29-F687-4f45-9708-019B960494DF}">
-                <a14:hiddenLine xmlns="" xmlns:a14="http://schemas.microsoft.com/office/drawing/2010/main" w="9525">
+                <a14:hiddenLine xmlns:a14="http://schemas.microsoft.com/office/drawing/2010/main" xmlns="" w="9525">
                   <a:solidFill>
                     <a:srgbClr val="000000"/>
                   </a:solidFill>
@@ -3019,7 +3023,7 @@
             </a:ln>
             <a:extLst>
               <a:ext uri="{91240B29-F687-4f45-9708-019B960494DF}">
-                <a14:hiddenLine xmlns="" xmlns:a14="http://schemas.microsoft.com/office/drawing/2010/main" w="9525">
+                <a14:hiddenLine xmlns:a14="http://schemas.microsoft.com/office/drawing/2010/main" xmlns="" w="9525">
                   <a:solidFill>
                     <a:srgbClr val="000000"/>
                   </a:solidFill>
@@ -3081,7 +3085,7 @@
             </a:ln>
             <a:extLst>
               <a:ext uri="{91240B29-F687-4f45-9708-019B960494DF}">
-                <a14:hiddenLine xmlns="" xmlns:a14="http://schemas.microsoft.com/office/drawing/2010/main" w="9525">
+                <a14:hiddenLine xmlns:a14="http://schemas.microsoft.com/office/drawing/2010/main" xmlns="" w="9525">
                   <a:solidFill>
                     <a:srgbClr val="000000"/>
                   </a:solidFill>
@@ -3171,7 +3175,7 @@
             </a:ln>
             <a:extLst>
               <a:ext uri="{91240B29-F687-4f45-9708-019B960494DF}">
-                <a14:hiddenLine xmlns="" xmlns:a14="http://schemas.microsoft.com/office/drawing/2010/main" w="9525">
+                <a14:hiddenLine xmlns:a14="http://schemas.microsoft.com/office/drawing/2010/main" xmlns="" w="9525">
                   <a:solidFill>
                     <a:srgbClr val="000000"/>
                   </a:solidFill>
@@ -3205,7 +3209,7 @@
             </a:ln>
             <a:extLst>
               <a:ext uri="{91240B29-F687-4f45-9708-019B960494DF}">
-                <a14:hiddenLine xmlns="" xmlns:a14="http://schemas.microsoft.com/office/drawing/2010/main" w="9525">
+                <a14:hiddenLine xmlns:a14="http://schemas.microsoft.com/office/drawing/2010/main" xmlns="" w="9525">
                   <a:solidFill>
                     <a:srgbClr val="000000"/>
                   </a:solidFill>
@@ -3270,7 +3274,7 @@
             </a:ln>
             <a:extLst>
               <a:ext uri="{91240B29-F687-4f45-9708-019B960494DF}">
-                <a14:hiddenLine xmlns="" xmlns:a14="http://schemas.microsoft.com/office/drawing/2010/main" w="9525">
+                <a14:hiddenLine xmlns:a14="http://schemas.microsoft.com/office/drawing/2010/main" xmlns="" w="9525">
                   <a:solidFill>
                     <a:srgbClr val="000000"/>
                   </a:solidFill>
@@ -3360,7 +3364,7 @@
             </a:ln>
             <a:extLst>
               <a:ext uri="{91240B29-F687-4f45-9708-019B960494DF}">
-                <a14:hiddenLine xmlns="" xmlns:a14="http://schemas.microsoft.com/office/drawing/2010/main" w="9525">
+                <a14:hiddenLine xmlns:a14="http://schemas.microsoft.com/office/drawing/2010/main" xmlns="" w="9525">
                   <a:solidFill>
                     <a:srgbClr val="000000"/>
                   </a:solidFill>
@@ -3422,7 +3426,7 @@
             </a:ln>
             <a:extLst>
               <a:ext uri="{91240B29-F687-4f45-9708-019B960494DF}">
-                <a14:hiddenLine xmlns="" xmlns:a14="http://schemas.microsoft.com/office/drawing/2010/main" w="9525">
+                <a14:hiddenLine xmlns:a14="http://schemas.microsoft.com/office/drawing/2010/main" xmlns="" w="9525">
                   <a:solidFill>
                     <a:srgbClr val="000000"/>
                   </a:solidFill>
@@ -3512,7 +3516,7 @@
             </a:ln>
             <a:extLst>
               <a:ext uri="{91240B29-F687-4f45-9708-019B960494DF}">
-                <a14:hiddenLine xmlns="" xmlns:a14="http://schemas.microsoft.com/office/drawing/2010/main" w="9525">
+                <a14:hiddenLine xmlns:a14="http://schemas.microsoft.com/office/drawing/2010/main" xmlns="" w="9525">
                   <a:solidFill>
                     <a:srgbClr val="000000"/>
                   </a:solidFill>
@@ -3602,7 +3606,7 @@
             </a:ln>
             <a:extLst>
               <a:ext uri="{91240B29-F687-4f45-9708-019B960494DF}">
-                <a14:hiddenLine xmlns="" xmlns:a14="http://schemas.microsoft.com/office/drawing/2010/main" w="9525">
+                <a14:hiddenLine xmlns:a14="http://schemas.microsoft.com/office/drawing/2010/main" xmlns="" w="9525">
                   <a:solidFill>
                     <a:srgbClr val="000000"/>
                   </a:solidFill>
@@ -3667,7 +3671,7 @@
             </a:ln>
             <a:extLst>
               <a:ext uri="{91240B29-F687-4f45-9708-019B960494DF}">
-                <a14:hiddenLine xmlns="" xmlns:a14="http://schemas.microsoft.com/office/drawing/2010/main" w="9525">
+                <a14:hiddenLine xmlns:a14="http://schemas.microsoft.com/office/drawing/2010/main" xmlns="" w="9525">
                   <a:solidFill>
                     <a:srgbClr val="000000"/>
                   </a:solidFill>
@@ -3729,7 +3733,7 @@
             </a:ln>
             <a:extLst>
               <a:ext uri="{91240B29-F687-4f45-9708-019B960494DF}">
-                <a14:hiddenLine xmlns="" xmlns:a14="http://schemas.microsoft.com/office/drawing/2010/main" w="9525">
+                <a14:hiddenLine xmlns:a14="http://schemas.microsoft.com/office/drawing/2010/main" xmlns="" w="9525">
                   <a:solidFill>
                     <a:srgbClr val="000000"/>
                   </a:solidFill>
@@ -3819,7 +3823,7 @@
             </a:ln>
             <a:extLst>
               <a:ext uri="{91240B29-F687-4f45-9708-019B960494DF}">
-                <a14:hiddenLine xmlns="" xmlns:a14="http://schemas.microsoft.com/office/drawing/2010/main" w="9525">
+                <a14:hiddenLine xmlns:a14="http://schemas.microsoft.com/office/drawing/2010/main" xmlns="" w="9525">
                   <a:solidFill>
                     <a:srgbClr val="000000"/>
                   </a:solidFill>
@@ -3909,7 +3913,7 @@
             </a:ln>
             <a:extLst>
               <a:ext uri="{91240B29-F687-4f45-9708-019B960494DF}">
-                <a14:hiddenLine xmlns="" xmlns:a14="http://schemas.microsoft.com/office/drawing/2010/main" w="9525">
+                <a14:hiddenLine xmlns:a14="http://schemas.microsoft.com/office/drawing/2010/main" xmlns="" w="9525">
                   <a:solidFill>
                     <a:srgbClr val="000000"/>
                   </a:solidFill>
@@ -3971,7 +3975,7 @@
             </a:ln>
             <a:extLst>
               <a:ext uri="{91240B29-F687-4f45-9708-019B960494DF}">
-                <a14:hiddenLine xmlns="" xmlns:a14="http://schemas.microsoft.com/office/drawing/2010/main" w="9525">
+                <a14:hiddenLine xmlns:a14="http://schemas.microsoft.com/office/drawing/2010/main" xmlns="" w="9525">
                   <a:solidFill>
                     <a:srgbClr val="000000"/>
                   </a:solidFill>
@@ -4091,7 +4095,7 @@
             </a:ln>
             <a:extLst>
               <a:ext uri="{91240B29-F687-4f45-9708-019B960494DF}">
-                <a14:hiddenLine xmlns="" xmlns:a14="http://schemas.microsoft.com/office/drawing/2010/main" w="9525">
+                <a14:hiddenLine xmlns:a14="http://schemas.microsoft.com/office/drawing/2010/main" xmlns="" w="9525">
                   <a:solidFill>
                     <a:srgbClr val="000000"/>
                   </a:solidFill>
@@ -4159,7 +4163,7 @@
             </a:ln>
             <a:extLst>
               <a:ext uri="{91240B29-F687-4f45-9708-019B960494DF}">
-                <a14:hiddenLine xmlns="" xmlns:a14="http://schemas.microsoft.com/office/drawing/2010/main" w="9525">
+                <a14:hiddenLine xmlns:a14="http://schemas.microsoft.com/office/drawing/2010/main" xmlns="" w="9525">
                   <a:solidFill>
                     <a:srgbClr val="000000"/>
                   </a:solidFill>
@@ -4249,7 +4253,7 @@
             </a:ln>
             <a:extLst>
               <a:ext uri="{91240B29-F687-4f45-9708-019B960494DF}">
-                <a14:hiddenLine xmlns="" xmlns:a14="http://schemas.microsoft.com/office/drawing/2010/main" w="9525">
+                <a14:hiddenLine xmlns:a14="http://schemas.microsoft.com/office/drawing/2010/main" xmlns="" w="9525">
                   <a:solidFill>
                     <a:srgbClr val="000000"/>
                   </a:solidFill>
@@ -8971,7 +8975,7 @@
           <a:noFill/>
           <a:extLst>
             <a:ext uri="{909E8E84-426E-40dd-AFC4-6F175D3DCCD1}">
-              <a14:hiddenFill xmlns="" xmlns:a14="http://schemas.microsoft.com/office/drawing/2010/main">
+              <a14:hiddenFill xmlns:a14="http://schemas.microsoft.com/office/drawing/2010/main" xmlns="">
                 <a:solidFill>
                   <a:srgbClr val="FFFFFF"/>
                 </a:solidFill>
@@ -9045,7 +9049,7 @@
               </a:ln>
               <a:extLst>
                 <a:ext uri="{91240B29-F687-4f45-9708-019B960494DF}">
-                  <a14:hiddenLine xmlns="" xmlns:a14="http://schemas.microsoft.com/office/drawing/2010/main" w="9525">
+                  <a14:hiddenLine xmlns:a14="http://schemas.microsoft.com/office/drawing/2010/main" xmlns="" w="9525">
                     <a:solidFill>
                       <a:srgbClr val="000000"/>
                     </a:solidFill>
@@ -9135,7 +9139,7 @@
               </a:ln>
               <a:extLst>
                 <a:ext uri="{91240B29-F687-4f45-9708-019B960494DF}">
-                  <a14:hiddenLine xmlns="" xmlns:a14="http://schemas.microsoft.com/office/drawing/2010/main" w="9525">
+                  <a14:hiddenLine xmlns:a14="http://schemas.microsoft.com/office/drawing/2010/main" xmlns="" w="9525">
                     <a:solidFill>
                       <a:srgbClr val="000000"/>
                     </a:solidFill>
@@ -9225,7 +9229,7 @@
               </a:ln>
               <a:extLst>
                 <a:ext uri="{91240B29-F687-4f45-9708-019B960494DF}">
-                  <a14:hiddenLine xmlns="" xmlns:a14="http://schemas.microsoft.com/office/drawing/2010/main" w="9525">
+                  <a14:hiddenLine xmlns:a14="http://schemas.microsoft.com/office/drawing/2010/main" xmlns="" w="9525">
                     <a:solidFill>
                       <a:srgbClr val="000000"/>
                     </a:solidFill>
@@ -9287,7 +9291,7 @@
               </a:ln>
               <a:extLst>
                 <a:ext uri="{91240B29-F687-4f45-9708-019B960494DF}">
-                  <a14:hiddenLine xmlns="" xmlns:a14="http://schemas.microsoft.com/office/drawing/2010/main" w="9525">
+                  <a14:hiddenLine xmlns:a14="http://schemas.microsoft.com/office/drawing/2010/main" xmlns="" w="9525">
                     <a:solidFill>
                       <a:srgbClr val="000000"/>
                     </a:solidFill>
@@ -9377,7 +9381,7 @@
               </a:ln>
               <a:extLst>
                 <a:ext uri="{91240B29-F687-4f45-9708-019B960494DF}">
-                  <a14:hiddenLine xmlns="" xmlns:a14="http://schemas.microsoft.com/office/drawing/2010/main" w="9525">
+                  <a14:hiddenLine xmlns:a14="http://schemas.microsoft.com/office/drawing/2010/main" xmlns="" w="9525">
                     <a:solidFill>
                       <a:srgbClr val="000000"/>
                     </a:solidFill>
@@ -9439,7 +9443,7 @@
               </a:ln>
               <a:extLst>
                 <a:ext uri="{91240B29-F687-4f45-9708-019B960494DF}">
-                  <a14:hiddenLine xmlns="" xmlns:a14="http://schemas.microsoft.com/office/drawing/2010/main" w="9525">
+                  <a14:hiddenLine xmlns:a14="http://schemas.microsoft.com/office/drawing/2010/main" xmlns="" w="9525">
                     <a:solidFill>
                       <a:srgbClr val="000000"/>
                     </a:solidFill>
@@ -9501,7 +9505,7 @@
               </a:ln>
               <a:extLst>
                 <a:ext uri="{91240B29-F687-4f45-9708-019B960494DF}">
-                  <a14:hiddenLine xmlns="" xmlns:a14="http://schemas.microsoft.com/office/drawing/2010/main" w="9525">
+                  <a14:hiddenLine xmlns:a14="http://schemas.microsoft.com/office/drawing/2010/main" xmlns="" w="9525">
                     <a:solidFill>
                       <a:srgbClr val="000000"/>
                     </a:solidFill>
@@ -9591,7 +9595,7 @@
               </a:ln>
               <a:extLst>
                 <a:ext uri="{91240B29-F687-4f45-9708-019B960494DF}">
-                  <a14:hiddenLine xmlns="" xmlns:a14="http://schemas.microsoft.com/office/drawing/2010/main" w="9525">
+                  <a14:hiddenLine xmlns:a14="http://schemas.microsoft.com/office/drawing/2010/main" xmlns="" w="9525">
                     <a:solidFill>
                       <a:srgbClr val="000000"/>
                     </a:solidFill>
@@ -9681,7 +9685,7 @@
               </a:ln>
               <a:extLst>
                 <a:ext uri="{91240B29-F687-4f45-9708-019B960494DF}">
-                  <a14:hiddenLine xmlns="" xmlns:a14="http://schemas.microsoft.com/office/drawing/2010/main" w="9525">
+                  <a14:hiddenLine xmlns:a14="http://schemas.microsoft.com/office/drawing/2010/main" xmlns="" w="9525">
                     <a:solidFill>
                       <a:srgbClr val="000000"/>
                     </a:solidFill>
@@ -9743,7 +9747,7 @@
               </a:ln>
               <a:extLst>
                 <a:ext uri="{91240B29-F687-4f45-9708-019B960494DF}">
-                  <a14:hiddenLine xmlns="" xmlns:a14="http://schemas.microsoft.com/office/drawing/2010/main" w="9525">
+                  <a14:hiddenLine xmlns:a14="http://schemas.microsoft.com/office/drawing/2010/main" xmlns="" w="9525">
                     <a:solidFill>
                       <a:srgbClr val="000000"/>
                     </a:solidFill>
@@ -9853,7 +9857,7 @@
               </a:ln>
               <a:extLst>
                 <a:ext uri="{91240B29-F687-4f45-9708-019B960494DF}">
-                  <a14:hiddenLine xmlns="" xmlns:a14="http://schemas.microsoft.com/office/drawing/2010/main" w="9525">
+                  <a14:hiddenLine xmlns:a14="http://schemas.microsoft.com/office/drawing/2010/main" xmlns="" w="9525">
                     <a:solidFill>
                       <a:srgbClr val="000000"/>
                     </a:solidFill>
@@ -9937,7 +9941,7 @@
               </a:ln>
               <a:extLst>
                 <a:ext uri="{91240B29-F687-4f45-9708-019B960494DF}">
-                  <a14:hiddenLine xmlns="" xmlns:a14="http://schemas.microsoft.com/office/drawing/2010/main" w="9525">
+                  <a14:hiddenLine xmlns:a14="http://schemas.microsoft.com/office/drawing/2010/main" xmlns="" w="9525">
                     <a:solidFill>
                       <a:srgbClr val="000000"/>
                     </a:solidFill>
@@ -9999,7 +10003,7 @@
               </a:ln>
               <a:extLst>
                 <a:ext uri="{91240B29-F687-4f45-9708-019B960494DF}">
-                  <a14:hiddenLine xmlns="" xmlns:a14="http://schemas.microsoft.com/office/drawing/2010/main" w="9525">
+                  <a14:hiddenLine xmlns:a14="http://schemas.microsoft.com/office/drawing/2010/main" xmlns="" w="9525">
                     <a:solidFill>
                       <a:srgbClr val="000000"/>
                     </a:solidFill>
@@ -10061,7 +10065,7 @@
               </a:ln>
               <a:extLst>
                 <a:ext uri="{91240B29-F687-4f45-9708-019B960494DF}">
-                  <a14:hiddenLine xmlns="" xmlns:a14="http://schemas.microsoft.com/office/drawing/2010/main" w="9525">
+                  <a14:hiddenLine xmlns:a14="http://schemas.microsoft.com/office/drawing/2010/main" xmlns="" w="9525">
                     <a:solidFill>
                       <a:srgbClr val="000000"/>
                     </a:solidFill>
@@ -10151,7 +10155,7 @@
               </a:ln>
               <a:extLst>
                 <a:ext uri="{91240B29-F687-4f45-9708-019B960494DF}">
-                  <a14:hiddenLine xmlns="" xmlns:a14="http://schemas.microsoft.com/office/drawing/2010/main" w="9525">
+                  <a14:hiddenLine xmlns:a14="http://schemas.microsoft.com/office/drawing/2010/main" xmlns="" w="9525">
                     <a:solidFill>
                       <a:srgbClr val="000000"/>
                     </a:solidFill>
@@ -10185,7 +10189,7 @@
               </a:ln>
               <a:extLst>
                 <a:ext uri="{91240B29-F687-4f45-9708-019B960494DF}">
-                  <a14:hiddenLine xmlns="" xmlns:a14="http://schemas.microsoft.com/office/drawing/2010/main" w="9525">
+                  <a14:hiddenLine xmlns:a14="http://schemas.microsoft.com/office/drawing/2010/main" xmlns="" w="9525">
                     <a:solidFill>
                       <a:srgbClr val="000000"/>
                     </a:solidFill>
@@ -10250,7 +10254,7 @@
               </a:ln>
               <a:extLst>
                 <a:ext uri="{91240B29-F687-4f45-9708-019B960494DF}">
-                  <a14:hiddenLine xmlns="" xmlns:a14="http://schemas.microsoft.com/office/drawing/2010/main" w="9525">
+                  <a14:hiddenLine xmlns:a14="http://schemas.microsoft.com/office/drawing/2010/main" xmlns="" w="9525">
                     <a:solidFill>
                       <a:srgbClr val="000000"/>
                     </a:solidFill>
@@ -10340,7 +10344,7 @@
               </a:ln>
               <a:extLst>
                 <a:ext uri="{91240B29-F687-4f45-9708-019B960494DF}">
-                  <a14:hiddenLine xmlns="" xmlns:a14="http://schemas.microsoft.com/office/drawing/2010/main" w="9525">
+                  <a14:hiddenLine xmlns:a14="http://schemas.microsoft.com/office/drawing/2010/main" xmlns="" w="9525">
                     <a:solidFill>
                       <a:srgbClr val="000000"/>
                     </a:solidFill>
@@ -10402,7 +10406,7 @@
               </a:ln>
               <a:extLst>
                 <a:ext uri="{91240B29-F687-4f45-9708-019B960494DF}">
-                  <a14:hiddenLine xmlns="" xmlns:a14="http://schemas.microsoft.com/office/drawing/2010/main" w="9525">
+                  <a14:hiddenLine xmlns:a14="http://schemas.microsoft.com/office/drawing/2010/main" xmlns="" w="9525">
                     <a:solidFill>
                       <a:srgbClr val="000000"/>
                     </a:solidFill>
@@ -10492,7 +10496,7 @@
               </a:ln>
               <a:extLst>
                 <a:ext uri="{91240B29-F687-4f45-9708-019B960494DF}">
-                  <a14:hiddenLine xmlns="" xmlns:a14="http://schemas.microsoft.com/office/drawing/2010/main" w="9525">
+                  <a14:hiddenLine xmlns:a14="http://schemas.microsoft.com/office/drawing/2010/main" xmlns="" w="9525">
                     <a:solidFill>
                       <a:srgbClr val="000000"/>
                     </a:solidFill>
@@ -10557,7 +10561,7 @@
               </a:ln>
               <a:extLst>
                 <a:ext uri="{91240B29-F687-4f45-9708-019B960494DF}">
-                  <a14:hiddenLine xmlns="" xmlns:a14="http://schemas.microsoft.com/office/drawing/2010/main" w="9525">
+                  <a14:hiddenLine xmlns:a14="http://schemas.microsoft.com/office/drawing/2010/main" xmlns="" w="9525">
                     <a:solidFill>
                       <a:srgbClr val="000000"/>
                     </a:solidFill>
@@ -10619,7 +10623,7 @@
               </a:ln>
               <a:extLst>
                 <a:ext uri="{91240B29-F687-4f45-9708-019B960494DF}">
-                  <a14:hiddenLine xmlns="" xmlns:a14="http://schemas.microsoft.com/office/drawing/2010/main" w="9525">
+                  <a14:hiddenLine xmlns:a14="http://schemas.microsoft.com/office/drawing/2010/main" xmlns="" w="9525">
                     <a:solidFill>
                       <a:srgbClr val="000000"/>
                     </a:solidFill>
@@ -10709,7 +10713,7 @@
               </a:ln>
               <a:extLst>
                 <a:ext uri="{91240B29-F687-4f45-9708-019B960494DF}">
-                  <a14:hiddenLine xmlns="" xmlns:a14="http://schemas.microsoft.com/office/drawing/2010/main" w="9525">
+                  <a14:hiddenLine xmlns:a14="http://schemas.microsoft.com/office/drawing/2010/main" xmlns="" w="9525">
                     <a:solidFill>
                       <a:srgbClr val="000000"/>
                     </a:solidFill>
@@ -10799,7 +10803,7 @@
               </a:ln>
               <a:extLst>
                 <a:ext uri="{91240B29-F687-4f45-9708-019B960494DF}">
-                  <a14:hiddenLine xmlns="" xmlns:a14="http://schemas.microsoft.com/office/drawing/2010/main" w="9525">
+                  <a14:hiddenLine xmlns:a14="http://schemas.microsoft.com/office/drawing/2010/main" xmlns="" w="9525">
                     <a:solidFill>
                       <a:srgbClr val="000000"/>
                     </a:solidFill>
@@ -10864,7 +10868,7 @@
               </a:ln>
               <a:extLst>
                 <a:ext uri="{91240B29-F687-4f45-9708-019B960494DF}">
-                  <a14:hiddenLine xmlns="" xmlns:a14="http://schemas.microsoft.com/office/drawing/2010/main" w="9525">
+                  <a14:hiddenLine xmlns:a14="http://schemas.microsoft.com/office/drawing/2010/main" xmlns="" w="9525">
                     <a:solidFill>
                       <a:srgbClr val="000000"/>
                     </a:solidFill>
@@ -10984,7 +10988,7 @@
               </a:ln>
               <a:extLst>
                 <a:ext uri="{91240B29-F687-4f45-9708-019B960494DF}">
-                  <a14:hiddenLine xmlns="" xmlns:a14="http://schemas.microsoft.com/office/drawing/2010/main" w="9525">
+                  <a14:hiddenLine xmlns:a14="http://schemas.microsoft.com/office/drawing/2010/main" xmlns="" w="9525">
                     <a:solidFill>
                       <a:srgbClr val="000000"/>
                     </a:solidFill>
@@ -11082,7 +11086,7 @@
               </a:ln>
               <a:extLst>
                 <a:ext uri="{91240B29-F687-4f45-9708-019B960494DF}">
-                  <a14:hiddenLine xmlns="" xmlns:a14="http://schemas.microsoft.com/office/drawing/2010/main" w="9525">
+                  <a14:hiddenLine xmlns:a14="http://schemas.microsoft.com/office/drawing/2010/main" xmlns="" w="9525">
                     <a:solidFill>
                       <a:srgbClr val="000000"/>
                     </a:solidFill>
@@ -11197,7 +11201,7 @@
               </a:ln>
               <a:extLst>
                 <a:ext uri="{91240B29-F687-4f45-9708-019B960494DF}">
-                  <a14:hiddenLine xmlns="" xmlns:a14="http://schemas.microsoft.com/office/drawing/2010/main" w="9525">
+                  <a14:hiddenLine xmlns:a14="http://schemas.microsoft.com/office/drawing/2010/main" xmlns="" w="9525">
                     <a:solidFill>
                       <a:srgbClr val="000000"/>
                     </a:solidFill>
@@ -11287,7 +11291,7 @@
               </a:ln>
               <a:extLst>
                 <a:ext uri="{91240B29-F687-4f45-9708-019B960494DF}">
-                  <a14:hiddenLine xmlns="" xmlns:a14="http://schemas.microsoft.com/office/drawing/2010/main" w="9525">
+                  <a14:hiddenLine xmlns:a14="http://schemas.microsoft.com/office/drawing/2010/main" xmlns="" w="9525">
                     <a:solidFill>
                       <a:srgbClr val="000000"/>
                     </a:solidFill>
@@ -11352,7 +11356,7 @@
               </a:ln>
               <a:extLst>
                 <a:ext uri="{91240B29-F687-4f45-9708-019B960494DF}">
-                  <a14:hiddenLine xmlns="" xmlns:a14="http://schemas.microsoft.com/office/drawing/2010/main" w="9525">
+                  <a14:hiddenLine xmlns:a14="http://schemas.microsoft.com/office/drawing/2010/main" xmlns="" w="9525">
                     <a:solidFill>
                       <a:srgbClr val="000000"/>
                     </a:solidFill>
@@ -11442,7 +11446,7 @@
               </a:ln>
               <a:extLst>
                 <a:ext uri="{91240B29-F687-4f45-9708-019B960494DF}">
-                  <a14:hiddenLine xmlns="" xmlns:a14="http://schemas.microsoft.com/office/drawing/2010/main" w="9525">
+                  <a14:hiddenLine xmlns:a14="http://schemas.microsoft.com/office/drawing/2010/main" xmlns="" w="9525">
                     <a:solidFill>
                       <a:srgbClr val="000000"/>
                     </a:solidFill>
@@ -11510,7 +11514,7 @@
               </a:ln>
               <a:extLst>
                 <a:ext uri="{91240B29-F687-4f45-9708-019B960494DF}">
-                  <a14:hiddenLine xmlns="" xmlns:a14="http://schemas.microsoft.com/office/drawing/2010/main" w="9525">
+                  <a14:hiddenLine xmlns:a14="http://schemas.microsoft.com/office/drawing/2010/main" xmlns="" w="9525">
                     <a:solidFill>
                       <a:srgbClr val="000000"/>
                     </a:solidFill>
@@ -11600,7 +11604,7 @@
               </a:ln>
               <a:extLst>
                 <a:ext uri="{91240B29-F687-4f45-9708-019B960494DF}">
-                  <a14:hiddenLine xmlns="" xmlns:a14="http://schemas.microsoft.com/office/drawing/2010/main" w="9525">
+                  <a14:hiddenLine xmlns:a14="http://schemas.microsoft.com/office/drawing/2010/main" xmlns="" w="9525">
                     <a:solidFill>
                       <a:srgbClr val="000000"/>
                     </a:solidFill>
@@ -11668,7 +11672,7 @@
               </a:ln>
               <a:extLst>
                 <a:ext uri="{91240B29-F687-4f45-9708-019B960494DF}">
-                  <a14:hiddenLine xmlns="" xmlns:a14="http://schemas.microsoft.com/office/drawing/2010/main" w="9525">
+                  <a14:hiddenLine xmlns:a14="http://schemas.microsoft.com/office/drawing/2010/main" xmlns="" w="9525">
                     <a:solidFill>
                       <a:srgbClr val="000000"/>
                     </a:solidFill>
@@ -11758,7 +11762,7 @@
               </a:ln>
               <a:extLst>
                 <a:ext uri="{91240B29-F687-4f45-9708-019B960494DF}">
-                  <a14:hiddenLine xmlns="" xmlns:a14="http://schemas.microsoft.com/office/drawing/2010/main" w="9525">
+                  <a14:hiddenLine xmlns:a14="http://schemas.microsoft.com/office/drawing/2010/main" xmlns="" w="9525">
                     <a:solidFill>
                       <a:srgbClr val="000000"/>
                     </a:solidFill>
@@ -11792,7 +11796,7 @@
               </a:ln>
               <a:extLst>
                 <a:ext uri="{91240B29-F687-4f45-9708-019B960494DF}">
-                  <a14:hiddenLine xmlns="" xmlns:a14="http://schemas.microsoft.com/office/drawing/2010/main" w="9525">
+                  <a14:hiddenLine xmlns:a14="http://schemas.microsoft.com/office/drawing/2010/main" xmlns="" w="9525">
                     <a:solidFill>
                       <a:srgbClr val="000000"/>
                     </a:solidFill>
@@ -12547,6 +12551,508 @@
           <p:cNvPr id="2" name="Titel 1">
             <a:extLst>
               <a:ext uri="{FF2B5EF4-FFF2-40B4-BE49-F238E27FC236}">
+                <a16:creationId xmlns:a16="http://schemas.microsoft.com/office/drawing/2014/main" id="{D46A5BA3-BC13-4707-A3C8-8A9B9690D5D0}"/>
+              </a:ext>
+            </a:extLst>
+          </p:cNvPr>
+          <p:cNvSpPr>
+            <a:spLocks noGrp="1"/>
+          </p:cNvSpPr>
+          <p:nvPr>
+            <p:ph type="title"/>
+          </p:nvPr>
+        </p:nvSpPr>
+        <p:spPr/>
+        <p:txBody>
+          <a:bodyPr/>
+          <a:lstStyle/>
+          <a:p>
+            <a:r>
+              <a:rPr lang="de-DE" dirty="0"/>
+              <a:t>Übersicht</a:t>
+            </a:r>
+          </a:p>
+        </p:txBody>
+      </p:sp>
+      <p:sp>
+        <p:nvSpPr>
+          <p:cNvPr id="3" name="Inhaltsplatzhalter 2">
+            <a:extLst>
+              <a:ext uri="{FF2B5EF4-FFF2-40B4-BE49-F238E27FC236}">
+                <a16:creationId xmlns:a16="http://schemas.microsoft.com/office/drawing/2014/main" id="{FB0167E2-90AC-4AE1-8E23-CF712D5B8B01}"/>
+              </a:ext>
+            </a:extLst>
+          </p:cNvPr>
+          <p:cNvSpPr>
+            <a:spLocks noGrp="1"/>
+          </p:cNvSpPr>
+          <p:nvPr>
+            <p:ph idx="1"/>
+          </p:nvPr>
+        </p:nvSpPr>
+        <p:spPr/>
+        <p:txBody>
+          <a:bodyPr/>
+          <a:lstStyle/>
+          <a:p>
+            <a:r>
+              <a:rPr lang="de-DE" dirty="0"/>
+              <a:t>Raster</a:t>
+            </a:r>
+          </a:p>
+          <a:p>
+            <a:r>
+              <a:rPr lang="de-DE" dirty="0"/>
+              <a:t>Typografie</a:t>
+            </a:r>
+          </a:p>
+          <a:p>
+            <a:r>
+              <a:rPr lang="de-DE" dirty="0"/>
+              <a:t>Farben</a:t>
+            </a:r>
+          </a:p>
+          <a:p>
+            <a:r>
+              <a:rPr lang="de-DE" dirty="0"/>
+              <a:t>Änderungen zur finalen Version</a:t>
+            </a:r>
+          </a:p>
+        </p:txBody>
+      </p:sp>
+    </p:spTree>
+    <p:extLst>
+      <p:ext uri="{BB962C8B-B14F-4D97-AF65-F5344CB8AC3E}">
+        <p14:creationId xmlns:p14="http://schemas.microsoft.com/office/powerpoint/2010/main" val="2314018687"/>
+      </p:ext>
+    </p:extLst>
+  </p:cSld>
+  <p:clrMapOvr>
+    <a:masterClrMapping/>
+  </p:clrMapOvr>
+</p:sld>
+</file>
+
+<file path=ppt/slides/slide3.xml><?xml version="1.0" encoding="utf-8"?>
+<p:sld xmlns:a="http://schemas.openxmlformats.org/drawingml/2006/main" xmlns:r="http://schemas.openxmlformats.org/officeDocument/2006/relationships" xmlns:p="http://schemas.openxmlformats.org/presentationml/2006/main">
+  <p:cSld>
+    <p:spTree>
+      <p:nvGrpSpPr>
+        <p:cNvPr id="1" name=""/>
+        <p:cNvGrpSpPr/>
+        <p:nvPr/>
+      </p:nvGrpSpPr>
+      <p:grpSpPr>
+        <a:xfrm>
+          <a:off x="0" y="0"/>
+          <a:ext cx="0" cy="0"/>
+          <a:chOff x="0" y="0"/>
+          <a:chExt cx="0" cy="0"/>
+        </a:xfrm>
+      </p:grpSpPr>
+      <p:sp>
+        <p:nvSpPr>
+          <p:cNvPr id="2" name="Titel 1">
+            <a:extLst>
+              <a:ext uri="{FF2B5EF4-FFF2-40B4-BE49-F238E27FC236}">
+                <a16:creationId xmlns:a16="http://schemas.microsoft.com/office/drawing/2014/main" id="{11AE9965-EF3B-4549-B2B9-97A4399B0727}"/>
+              </a:ext>
+            </a:extLst>
+          </p:cNvPr>
+          <p:cNvSpPr>
+            <a:spLocks noGrp="1"/>
+          </p:cNvSpPr>
+          <p:nvPr>
+            <p:ph type="title"/>
+          </p:nvPr>
+        </p:nvSpPr>
+        <p:spPr/>
+        <p:txBody>
+          <a:bodyPr/>
+          <a:lstStyle/>
+          <a:p>
+            <a:r>
+              <a:rPr lang="de-DE" dirty="0">
+                <a:latin typeface="Roboto Mono" pitchFamily="2" charset="0"/>
+                <a:ea typeface="Roboto Mono" pitchFamily="2" charset="0"/>
+              </a:rPr>
+              <a:t>Raster</a:t>
+            </a:r>
+          </a:p>
+        </p:txBody>
+      </p:sp>
+      <p:pic>
+        <p:nvPicPr>
+          <p:cNvPr id="5" name="Inhaltsplatzhalter 4">
+            <a:extLst>
+              <a:ext uri="{FF2B5EF4-FFF2-40B4-BE49-F238E27FC236}">
+                <a16:creationId xmlns:a16="http://schemas.microsoft.com/office/drawing/2014/main" id="{C17A60BD-FC54-46E5-AF6F-72A54D041085}"/>
+              </a:ext>
+            </a:extLst>
+          </p:cNvPr>
+          <p:cNvPicPr>
+            <a:picLocks noGrp="1" noChangeAspect="1"/>
+          </p:cNvPicPr>
+          <p:nvPr>
+            <p:ph idx="1"/>
+          </p:nvPr>
+        </p:nvPicPr>
+        <p:blipFill>
+          <a:blip r:embed="rId2"/>
+          <a:stretch>
+            <a:fillRect/>
+          </a:stretch>
+        </p:blipFill>
+        <p:spPr>
+          <a:xfrm>
+            <a:off x="3703425" y="565826"/>
+            <a:ext cx="4584898" cy="5726348"/>
+          </a:xfrm>
+        </p:spPr>
+      </p:pic>
+    </p:spTree>
+    <p:extLst>
+      <p:ext uri="{BB962C8B-B14F-4D97-AF65-F5344CB8AC3E}">
+        <p14:creationId xmlns:p14="http://schemas.microsoft.com/office/powerpoint/2010/main" val="3049260319"/>
+      </p:ext>
+    </p:extLst>
+  </p:cSld>
+  <p:clrMapOvr>
+    <a:masterClrMapping/>
+  </p:clrMapOvr>
+</p:sld>
+</file>
+
+<file path=ppt/slides/slide4.xml><?xml version="1.0" encoding="utf-8"?>
+<p:sld xmlns:a="http://schemas.openxmlformats.org/drawingml/2006/main" xmlns:r="http://schemas.openxmlformats.org/officeDocument/2006/relationships" xmlns:p="http://schemas.openxmlformats.org/presentationml/2006/main">
+  <p:cSld>
+    <p:spTree>
+      <p:nvGrpSpPr>
+        <p:cNvPr id="1" name=""/>
+        <p:cNvGrpSpPr/>
+        <p:nvPr/>
+      </p:nvGrpSpPr>
+      <p:grpSpPr>
+        <a:xfrm>
+          <a:off x="0" y="0"/>
+          <a:ext cx="0" cy="0"/>
+          <a:chOff x="0" y="0"/>
+          <a:chExt cx="0" cy="0"/>
+        </a:xfrm>
+      </p:grpSpPr>
+      <p:sp>
+        <p:nvSpPr>
+          <p:cNvPr id="2" name="Titel 1">
+            <a:extLst>
+              <a:ext uri="{FF2B5EF4-FFF2-40B4-BE49-F238E27FC236}">
+                <a16:creationId xmlns:a16="http://schemas.microsoft.com/office/drawing/2014/main" id="{5B3AF036-AF8D-4C33-9488-CA94794BEA9D}"/>
+              </a:ext>
+            </a:extLst>
+          </p:cNvPr>
+          <p:cNvSpPr>
+            <a:spLocks noGrp="1"/>
+          </p:cNvSpPr>
+          <p:nvPr>
+            <p:ph type="title"/>
+          </p:nvPr>
+        </p:nvSpPr>
+        <p:spPr/>
+        <p:txBody>
+          <a:bodyPr/>
+          <a:lstStyle/>
+          <a:p>
+            <a:r>
+              <a:rPr lang="de-DE" dirty="0"/>
+              <a:t>Typografie</a:t>
+            </a:r>
+          </a:p>
+        </p:txBody>
+      </p:sp>
+      <p:pic>
+        <p:nvPicPr>
+          <p:cNvPr id="5" name="Inhaltsplatzhalter 4">
+            <a:extLst>
+              <a:ext uri="{FF2B5EF4-FFF2-40B4-BE49-F238E27FC236}">
+                <a16:creationId xmlns:a16="http://schemas.microsoft.com/office/drawing/2014/main" id="{14027003-240C-4D47-9170-5483C4E8AABF}"/>
+              </a:ext>
+            </a:extLst>
+          </p:cNvPr>
+          <p:cNvPicPr>
+            <a:picLocks noGrp="1" noChangeAspect="1"/>
+          </p:cNvPicPr>
+          <p:nvPr>
+            <p:ph idx="1"/>
+          </p:nvPr>
+        </p:nvPicPr>
+        <p:blipFill>
+          <a:blip r:embed="rId2"/>
+          <a:stretch>
+            <a:fillRect/>
+          </a:stretch>
+        </p:blipFill>
+        <p:spPr>
+          <a:xfrm>
+            <a:off x="923670" y="2283229"/>
+            <a:ext cx="4913652" cy="3275768"/>
+          </a:xfrm>
+        </p:spPr>
+      </p:pic>
+      <p:sp>
+        <p:nvSpPr>
+          <p:cNvPr id="6" name="Textfeld 5">
+            <a:extLst>
+              <a:ext uri="{FF2B5EF4-FFF2-40B4-BE49-F238E27FC236}">
+                <a16:creationId xmlns:a16="http://schemas.microsoft.com/office/drawing/2014/main" id="{13BCA1FC-4FFC-4B24-AE8A-EE4574B24A6A}"/>
+              </a:ext>
+            </a:extLst>
+          </p:cNvPr>
+          <p:cNvSpPr txBox="1"/>
+          <p:nvPr/>
+        </p:nvSpPr>
+        <p:spPr>
+          <a:xfrm>
+            <a:off x="2752470" y="5558997"/>
+            <a:ext cx="3201517" cy="246221"/>
+          </a:xfrm>
+          <a:prstGeom prst="rect">
+            <a:avLst/>
+          </a:prstGeom>
+          <a:noFill/>
+        </p:spPr>
+        <p:txBody>
+          <a:bodyPr wrap="none" rtlCol="0">
+            <a:spAutoFit/>
+          </a:bodyPr>
+          <a:lstStyle/>
+          <a:p>
+            <a:r>
+              <a:rPr lang="de-DE" sz="1000" dirty="0"/>
+              <a:t>[https://www.slant.co/options/287/~roboto-mono-review]</a:t>
+            </a:r>
+          </a:p>
+        </p:txBody>
+      </p:sp>
+      <p:pic>
+        <p:nvPicPr>
+          <p:cNvPr id="8" name="Grafik 7">
+            <a:extLst>
+              <a:ext uri="{FF2B5EF4-FFF2-40B4-BE49-F238E27FC236}">
+                <a16:creationId xmlns:a16="http://schemas.microsoft.com/office/drawing/2014/main" id="{95FA1A6B-7279-4715-B0C2-332D4538EA66}"/>
+              </a:ext>
+            </a:extLst>
+          </p:cNvPr>
+          <p:cNvPicPr>
+            <a:picLocks noChangeAspect="1"/>
+          </p:cNvPicPr>
+          <p:nvPr/>
+        </p:nvPicPr>
+        <p:blipFill>
+          <a:blip r:embed="rId3"/>
+          <a:stretch>
+            <a:fillRect/>
+          </a:stretch>
+        </p:blipFill>
+        <p:spPr>
+          <a:xfrm>
+            <a:off x="6354680" y="2283228"/>
+            <a:ext cx="4913650" cy="3275767"/>
+          </a:xfrm>
+          <a:prstGeom prst="rect">
+            <a:avLst/>
+          </a:prstGeom>
+        </p:spPr>
+      </p:pic>
+      <p:sp>
+        <p:nvSpPr>
+          <p:cNvPr id="9" name="Rechteck 8">
+            <a:extLst>
+              <a:ext uri="{FF2B5EF4-FFF2-40B4-BE49-F238E27FC236}">
+                <a16:creationId xmlns:a16="http://schemas.microsoft.com/office/drawing/2014/main" id="{08ADA542-DAAF-4A7D-A881-49104FA36BE5}"/>
+              </a:ext>
+            </a:extLst>
+          </p:cNvPr>
+          <p:cNvSpPr/>
+          <p:nvPr/>
+        </p:nvSpPr>
+        <p:spPr>
+          <a:xfrm>
+            <a:off x="9006101" y="5558995"/>
+            <a:ext cx="2379177" cy="246221"/>
+          </a:xfrm>
+          <a:prstGeom prst="rect">
+            <a:avLst/>
+          </a:prstGeom>
+        </p:spPr>
+        <p:txBody>
+          <a:bodyPr wrap="none">
+            <a:spAutoFit/>
+          </a:bodyPr>
+          <a:lstStyle/>
+          <a:p>
+            <a:r>
+              <a:rPr lang="de-DE" sz="1000" dirty="0"/>
+              <a:t>[http://www.identifont.com/similar?32ZW]</a:t>
+            </a:r>
+          </a:p>
+        </p:txBody>
+      </p:sp>
+    </p:spTree>
+    <p:extLst>
+      <p:ext uri="{BB962C8B-B14F-4D97-AF65-F5344CB8AC3E}">
+        <p14:creationId xmlns:p14="http://schemas.microsoft.com/office/powerpoint/2010/main" val="2999134087"/>
+      </p:ext>
+    </p:extLst>
+  </p:cSld>
+  <p:clrMapOvr>
+    <a:masterClrMapping/>
+  </p:clrMapOvr>
+</p:sld>
+</file>
+
+<file path=ppt/slides/slide5.xml><?xml version="1.0" encoding="utf-8"?>
+<p:sld xmlns:a="http://schemas.openxmlformats.org/drawingml/2006/main" xmlns:r="http://schemas.openxmlformats.org/officeDocument/2006/relationships" xmlns:p="http://schemas.openxmlformats.org/presentationml/2006/main">
+  <p:cSld>
+    <p:spTree>
+      <p:nvGrpSpPr>
+        <p:cNvPr id="1" name=""/>
+        <p:cNvGrpSpPr/>
+        <p:nvPr/>
+      </p:nvGrpSpPr>
+      <p:grpSpPr>
+        <a:xfrm>
+          <a:off x="0" y="0"/>
+          <a:ext cx="0" cy="0"/>
+          <a:chOff x="0" y="0"/>
+          <a:chExt cx="0" cy="0"/>
+        </a:xfrm>
+      </p:grpSpPr>
+      <p:sp>
+        <p:nvSpPr>
+          <p:cNvPr id="2" name="Titel 1">
+            <a:extLst>
+              <a:ext uri="{FF2B5EF4-FFF2-40B4-BE49-F238E27FC236}">
+                <a16:creationId xmlns:a16="http://schemas.microsoft.com/office/drawing/2014/main" id="{9DCAE6F0-F263-4F9E-96BF-9BB562564324}"/>
+              </a:ext>
+            </a:extLst>
+          </p:cNvPr>
+          <p:cNvSpPr>
+            <a:spLocks noGrp="1"/>
+          </p:cNvSpPr>
+          <p:nvPr>
+            <p:ph type="title"/>
+          </p:nvPr>
+        </p:nvSpPr>
+        <p:spPr/>
+        <p:txBody>
+          <a:bodyPr/>
+          <a:lstStyle/>
+          <a:p>
+            <a:r>
+              <a:rPr lang="de-DE" dirty="0"/>
+              <a:t>Farben</a:t>
+            </a:r>
+          </a:p>
+        </p:txBody>
+      </p:sp>
+      <p:pic>
+        <p:nvPicPr>
+          <p:cNvPr id="5" name="Inhaltsplatzhalter 4">
+            <a:extLst>
+              <a:ext uri="{FF2B5EF4-FFF2-40B4-BE49-F238E27FC236}">
+                <a16:creationId xmlns:a16="http://schemas.microsoft.com/office/drawing/2014/main" id="{5014D06A-1E4B-42D6-8944-0463E76AD8F1}"/>
+              </a:ext>
+            </a:extLst>
+          </p:cNvPr>
+          <p:cNvPicPr>
+            <a:picLocks noGrp="1" noChangeAspect="1"/>
+          </p:cNvPicPr>
+          <p:nvPr>
+            <p:ph idx="1"/>
+          </p:nvPr>
+        </p:nvPicPr>
+        <p:blipFill>
+          <a:blip r:embed="rId2"/>
+          <a:stretch>
+            <a:fillRect/>
+          </a:stretch>
+        </p:blipFill>
+        <p:spPr>
+          <a:xfrm>
+            <a:off x="1048051" y="1903229"/>
+            <a:ext cx="9999360" cy="4653289"/>
+          </a:xfrm>
+        </p:spPr>
+      </p:pic>
+      <p:sp>
+        <p:nvSpPr>
+          <p:cNvPr id="6" name="Textfeld 5">
+            <a:extLst>
+              <a:ext uri="{FF2B5EF4-FFF2-40B4-BE49-F238E27FC236}">
+                <a16:creationId xmlns:a16="http://schemas.microsoft.com/office/drawing/2014/main" id="{DE63CC78-6A63-4F2A-AF79-C3C2C1C5E797}"/>
+              </a:ext>
+            </a:extLst>
+          </p:cNvPr>
+          <p:cNvSpPr txBox="1"/>
+          <p:nvPr/>
+        </p:nvSpPr>
+        <p:spPr>
+          <a:xfrm>
+            <a:off x="8399287" y="6556518"/>
+            <a:ext cx="2744662" cy="246221"/>
+          </a:xfrm>
+          <a:prstGeom prst="rect">
+            <a:avLst/>
+          </a:prstGeom>
+          <a:noFill/>
+        </p:spPr>
+        <p:txBody>
+          <a:bodyPr wrap="none" rtlCol="0">
+            <a:spAutoFit/>
+          </a:bodyPr>
+          <a:lstStyle/>
+          <a:p>
+            <a:r>
+              <a:rPr lang="de-DE" sz="1000" dirty="0"/>
+              <a:t>[https://color.adobe.com/de/create/color-wheel]</a:t>
+            </a:r>
+          </a:p>
+        </p:txBody>
+      </p:sp>
+    </p:spTree>
+    <p:extLst>
+      <p:ext uri="{BB962C8B-B14F-4D97-AF65-F5344CB8AC3E}">
+        <p14:creationId xmlns:p14="http://schemas.microsoft.com/office/powerpoint/2010/main" val="245395937"/>
+      </p:ext>
+    </p:extLst>
+  </p:cSld>
+  <p:clrMapOvr>
+    <a:masterClrMapping/>
+  </p:clrMapOvr>
+</p:sld>
+</file>
+
+<file path=ppt/slides/slide6.xml><?xml version="1.0" encoding="utf-8"?>
+<p:sld xmlns:a="http://schemas.openxmlformats.org/drawingml/2006/main" xmlns:r="http://schemas.openxmlformats.org/officeDocument/2006/relationships" xmlns:p="http://schemas.openxmlformats.org/presentationml/2006/main">
+  <p:cSld>
+    <p:spTree>
+      <p:nvGrpSpPr>
+        <p:cNvPr id="1" name=""/>
+        <p:cNvGrpSpPr/>
+        <p:nvPr/>
+      </p:nvGrpSpPr>
+      <p:grpSpPr>
+        <a:xfrm>
+          <a:off x="0" y="0"/>
+          <a:ext cx="0" cy="0"/>
+          <a:chOff x="0" y="0"/>
+          <a:chExt cx="0" cy="0"/>
+        </a:xfrm>
+      </p:grpSpPr>
+      <p:sp>
+        <p:nvSpPr>
+          <p:cNvPr id="2" name="Titel 1">
+            <a:extLst>
+              <a:ext uri="{FF2B5EF4-FFF2-40B4-BE49-F238E27FC236}">
                 <a16:creationId xmlns:a16="http://schemas.microsoft.com/office/drawing/2014/main" id="{77759F48-9AF1-4AE9-B7C7-D3B9EA109FF6}"/>
               </a:ext>
             </a:extLst>
@@ -12612,6 +13118,16 @@
             <a:r>
               <a:rPr lang="de-DE" dirty="0"/>
               <a:t>Navigation Bar</a:t>
+            </a:r>
+          </a:p>
+          <a:p>
+            <a:r>
+              <a:rPr lang="de-DE" dirty="0" err="1"/>
+              <a:t>Responsiveness</a:t>
+            </a:r>
+            <a:r>
+              <a:rPr lang="de-DE" dirty="0"/>
+              <a:t> der Firmen</a:t>
             </a:r>
           </a:p>
         </p:txBody>

--- a/Präsentationen/Finale_präsentation/siai_endpräsentation.pptx
+++ b/Präsentationen/Finale_präsentation/siai_endpräsentation.pptx
@@ -167,7 +167,7 @@
           <a:noFill/>
           <a:extLst>
             <a:ext uri="{909E8E84-426E-40dd-AFC4-6F175D3DCCD1}">
-              <a14:hiddenFill xmlns:a14="http://schemas.microsoft.com/office/drawing/2010/main" xmlns="">
+              <a14:hiddenFill xmlns="" xmlns:a14="http://schemas.microsoft.com/office/drawing/2010/main">
                 <a:solidFill>
                   <a:srgbClr val="FFFFFF"/>
                 </a:solidFill>
@@ -227,7 +227,7 @@
             </a:ln>
             <a:extLst>
               <a:ext uri="{91240B29-F687-4f45-9708-019B960494DF}">
-                <a14:hiddenLine xmlns:a14="http://schemas.microsoft.com/office/drawing/2010/main" xmlns="" w="9525">
+                <a14:hiddenLine xmlns="" xmlns:a14="http://schemas.microsoft.com/office/drawing/2010/main" w="9525">
                   <a:solidFill>
                     <a:srgbClr val="000000"/>
                   </a:solidFill>
@@ -317,7 +317,7 @@
             </a:ln>
             <a:extLst>
               <a:ext uri="{91240B29-F687-4f45-9708-019B960494DF}">
-                <a14:hiddenLine xmlns:a14="http://schemas.microsoft.com/office/drawing/2010/main" xmlns="" w="9525">
+                <a14:hiddenLine xmlns="" xmlns:a14="http://schemas.microsoft.com/office/drawing/2010/main" w="9525">
                   <a:solidFill>
                     <a:srgbClr val="000000"/>
                   </a:solidFill>
@@ -407,7 +407,7 @@
             </a:ln>
             <a:extLst>
               <a:ext uri="{91240B29-F687-4f45-9708-019B960494DF}">
-                <a14:hiddenLine xmlns:a14="http://schemas.microsoft.com/office/drawing/2010/main" xmlns="" w="9525">
+                <a14:hiddenLine xmlns="" xmlns:a14="http://schemas.microsoft.com/office/drawing/2010/main" w="9525">
                   <a:solidFill>
                     <a:srgbClr val="000000"/>
                   </a:solidFill>
@@ -441,7 +441,7 @@
             </a:ln>
             <a:extLst>
               <a:ext uri="{91240B29-F687-4f45-9708-019B960494DF}">
-                <a14:hiddenLine xmlns:a14="http://schemas.microsoft.com/office/drawing/2010/main" xmlns="" w="9525">
+                <a14:hiddenLine xmlns="" xmlns:a14="http://schemas.microsoft.com/office/drawing/2010/main" w="9525">
                   <a:solidFill>
                     <a:srgbClr val="000000"/>
                   </a:solidFill>
@@ -531,7 +531,7 @@
             </a:ln>
             <a:extLst>
               <a:ext uri="{91240B29-F687-4f45-9708-019B960494DF}">
-                <a14:hiddenLine xmlns:a14="http://schemas.microsoft.com/office/drawing/2010/main" xmlns="" w="9525">
+                <a14:hiddenLine xmlns="" xmlns:a14="http://schemas.microsoft.com/office/drawing/2010/main" w="9525">
                   <a:solidFill>
                     <a:srgbClr val="000000"/>
                   </a:solidFill>
@@ -593,7 +593,7 @@
             </a:ln>
             <a:extLst>
               <a:ext uri="{91240B29-F687-4f45-9708-019B960494DF}">
-                <a14:hiddenLine xmlns:a14="http://schemas.microsoft.com/office/drawing/2010/main" xmlns="" w="9525">
+                <a14:hiddenLine xmlns="" xmlns:a14="http://schemas.microsoft.com/office/drawing/2010/main" w="9525">
                   <a:solidFill>
                     <a:srgbClr val="000000"/>
                   </a:solidFill>
@@ -655,7 +655,7 @@
             </a:ln>
             <a:extLst>
               <a:ext uri="{91240B29-F687-4f45-9708-019B960494DF}">
-                <a14:hiddenLine xmlns:a14="http://schemas.microsoft.com/office/drawing/2010/main" xmlns="" w="9525">
+                <a14:hiddenLine xmlns="" xmlns:a14="http://schemas.microsoft.com/office/drawing/2010/main" w="9525">
                   <a:solidFill>
                     <a:srgbClr val="000000"/>
                   </a:solidFill>
@@ -745,7 +745,7 @@
             </a:ln>
             <a:extLst>
               <a:ext uri="{91240B29-F687-4f45-9708-019B960494DF}">
-                <a14:hiddenLine xmlns:a14="http://schemas.microsoft.com/office/drawing/2010/main" xmlns="" w="9525">
+                <a14:hiddenLine xmlns="" xmlns:a14="http://schemas.microsoft.com/office/drawing/2010/main" w="9525">
                   <a:solidFill>
                     <a:srgbClr val="000000"/>
                   </a:solidFill>
@@ -807,7 +807,7 @@
             </a:ln>
             <a:extLst>
               <a:ext uri="{91240B29-F687-4f45-9708-019B960494DF}">
-                <a14:hiddenLine xmlns:a14="http://schemas.microsoft.com/office/drawing/2010/main" xmlns="" w="9525">
+                <a14:hiddenLine xmlns="" xmlns:a14="http://schemas.microsoft.com/office/drawing/2010/main" w="9525">
                   <a:solidFill>
                     <a:srgbClr val="000000"/>
                   </a:solidFill>
@@ -869,7 +869,7 @@
             </a:ln>
             <a:extLst>
               <a:ext uri="{91240B29-F687-4f45-9708-019B960494DF}">
-                <a14:hiddenLine xmlns:a14="http://schemas.microsoft.com/office/drawing/2010/main" xmlns="" w="9525">
+                <a14:hiddenLine xmlns="" xmlns:a14="http://schemas.microsoft.com/office/drawing/2010/main" w="9525">
                   <a:solidFill>
                     <a:srgbClr val="000000"/>
                   </a:solidFill>
@@ -959,7 +959,7 @@
             </a:ln>
             <a:extLst>
               <a:ext uri="{91240B29-F687-4f45-9708-019B960494DF}">
-                <a14:hiddenLine xmlns:a14="http://schemas.microsoft.com/office/drawing/2010/main" xmlns="" w="9525">
+                <a14:hiddenLine xmlns="" xmlns:a14="http://schemas.microsoft.com/office/drawing/2010/main" w="9525">
                   <a:solidFill>
                     <a:srgbClr val="000000"/>
                   </a:solidFill>
@@ -1049,7 +1049,7 @@
             </a:ln>
             <a:extLst>
               <a:ext uri="{91240B29-F687-4f45-9708-019B960494DF}">
-                <a14:hiddenLine xmlns:a14="http://schemas.microsoft.com/office/drawing/2010/main" xmlns="" w="9525">
+                <a14:hiddenLine xmlns="" xmlns:a14="http://schemas.microsoft.com/office/drawing/2010/main" w="9525">
                   <a:solidFill>
                     <a:srgbClr val="000000"/>
                   </a:solidFill>
@@ -1111,7 +1111,7 @@
             </a:ln>
             <a:extLst>
               <a:ext uri="{91240B29-F687-4f45-9708-019B960494DF}">
-                <a14:hiddenLine xmlns:a14="http://schemas.microsoft.com/office/drawing/2010/main" xmlns="" w="9525">
+                <a14:hiddenLine xmlns="" xmlns:a14="http://schemas.microsoft.com/office/drawing/2010/main" w="9525">
                   <a:solidFill>
                     <a:srgbClr val="000000"/>
                   </a:solidFill>
@@ -1221,7 +1221,7 @@
             </a:ln>
             <a:extLst>
               <a:ext uri="{91240B29-F687-4f45-9708-019B960494DF}">
-                <a14:hiddenLine xmlns:a14="http://schemas.microsoft.com/office/drawing/2010/main" xmlns="" w="9525">
+                <a14:hiddenLine xmlns="" xmlns:a14="http://schemas.microsoft.com/office/drawing/2010/main" w="9525">
                   <a:solidFill>
                     <a:srgbClr val="000000"/>
                   </a:solidFill>
@@ -1283,7 +1283,7 @@
             </a:ln>
             <a:extLst>
               <a:ext uri="{91240B29-F687-4f45-9708-019B960494DF}">
-                <a14:hiddenLine xmlns:a14="http://schemas.microsoft.com/office/drawing/2010/main" xmlns="" w="9525">
+                <a14:hiddenLine xmlns="" xmlns:a14="http://schemas.microsoft.com/office/drawing/2010/main" w="9525">
                   <a:solidFill>
                     <a:srgbClr val="000000"/>
                   </a:solidFill>
@@ -1373,7 +1373,7 @@
             </a:ln>
             <a:extLst>
               <a:ext uri="{91240B29-F687-4f45-9708-019B960494DF}">
-                <a14:hiddenLine xmlns:a14="http://schemas.microsoft.com/office/drawing/2010/main" xmlns="" w="9525">
+                <a14:hiddenLine xmlns="" xmlns:a14="http://schemas.microsoft.com/office/drawing/2010/main" w="9525">
                   <a:solidFill>
                     <a:srgbClr val="000000"/>
                   </a:solidFill>
@@ -1463,7 +1463,7 @@
             </a:ln>
             <a:extLst>
               <a:ext uri="{91240B29-F687-4f45-9708-019B960494DF}">
-                <a14:hiddenLine xmlns:a14="http://schemas.microsoft.com/office/drawing/2010/main" xmlns="" w="9525">
+                <a14:hiddenLine xmlns="" xmlns:a14="http://schemas.microsoft.com/office/drawing/2010/main" w="9525">
                   <a:solidFill>
                     <a:srgbClr val="000000"/>
                   </a:solidFill>
@@ -1525,7 +1525,7 @@
             </a:ln>
             <a:extLst>
               <a:ext uri="{91240B29-F687-4f45-9708-019B960494DF}">
-                <a14:hiddenLine xmlns:a14="http://schemas.microsoft.com/office/drawing/2010/main" xmlns="" w="9525">
+                <a14:hiddenLine xmlns="" xmlns:a14="http://schemas.microsoft.com/office/drawing/2010/main" w="9525">
                   <a:solidFill>
                     <a:srgbClr val="000000"/>
                   </a:solidFill>
@@ -1615,7 +1615,7 @@
             </a:ln>
             <a:extLst>
               <a:ext uri="{91240B29-F687-4f45-9708-019B960494DF}">
-                <a14:hiddenLine xmlns:a14="http://schemas.microsoft.com/office/drawing/2010/main" xmlns="" w="9525">
+                <a14:hiddenLine xmlns="" xmlns:a14="http://schemas.microsoft.com/office/drawing/2010/main" w="9525">
                   <a:solidFill>
                     <a:srgbClr val="000000"/>
                   </a:solidFill>
@@ -1705,7 +1705,7 @@
             </a:ln>
             <a:extLst>
               <a:ext uri="{91240B29-F687-4f45-9708-019B960494DF}">
-                <a14:hiddenLine xmlns:a14="http://schemas.microsoft.com/office/drawing/2010/main" xmlns="" w="9525">
+                <a14:hiddenLine xmlns="" xmlns:a14="http://schemas.microsoft.com/office/drawing/2010/main" w="9525">
                   <a:solidFill>
                     <a:srgbClr val="000000"/>
                   </a:solidFill>
@@ -1761,7 +1761,7 @@
             </a:ln>
             <a:extLst>
               <a:ext uri="{91240B29-F687-4f45-9708-019B960494DF}">
-                <a14:hiddenLine xmlns:a14="http://schemas.microsoft.com/office/drawing/2010/main" xmlns="" w="9525">
+                <a14:hiddenLine xmlns="" xmlns:a14="http://schemas.microsoft.com/office/drawing/2010/main" w="9525">
                   <a:solidFill>
                     <a:srgbClr val="000000"/>
                   </a:solidFill>
@@ -1851,7 +1851,7 @@
             </a:ln>
             <a:extLst>
               <a:ext uri="{91240B29-F687-4f45-9708-019B960494DF}">
-                <a14:hiddenLine xmlns:a14="http://schemas.microsoft.com/office/drawing/2010/main" xmlns="" w="9525">
+                <a14:hiddenLine xmlns="" xmlns:a14="http://schemas.microsoft.com/office/drawing/2010/main" w="9525">
                   <a:solidFill>
                     <a:srgbClr val="000000"/>
                   </a:solidFill>
@@ -1907,7 +1907,7 @@
             </a:ln>
             <a:extLst>
               <a:ext uri="{91240B29-F687-4f45-9708-019B960494DF}">
-                <a14:hiddenLine xmlns:a14="http://schemas.microsoft.com/office/drawing/2010/main" xmlns="" w="9525">
+                <a14:hiddenLine xmlns="" xmlns:a14="http://schemas.microsoft.com/office/drawing/2010/main" w="9525">
                   <a:solidFill>
                     <a:srgbClr val="000000"/>
                   </a:solidFill>
@@ -1997,7 +1997,7 @@
             </a:ln>
             <a:extLst>
               <a:ext uri="{91240B29-F687-4f45-9708-019B960494DF}">
-                <a14:hiddenLine xmlns:a14="http://schemas.microsoft.com/office/drawing/2010/main" xmlns="" w="9525">
+                <a14:hiddenLine xmlns="" xmlns:a14="http://schemas.microsoft.com/office/drawing/2010/main" w="9525">
                   <a:solidFill>
                     <a:srgbClr val="000000"/>
                   </a:solidFill>
@@ -2065,7 +2065,7 @@
             </a:ln>
             <a:extLst>
               <a:ext uri="{91240B29-F687-4f45-9708-019B960494DF}">
-                <a14:hiddenLine xmlns:a14="http://schemas.microsoft.com/office/drawing/2010/main" xmlns="" w="9525">
+                <a14:hiddenLine xmlns="" xmlns:a14="http://schemas.microsoft.com/office/drawing/2010/main" w="9525">
                   <a:solidFill>
                     <a:srgbClr val="000000"/>
                   </a:solidFill>
@@ -2155,7 +2155,7 @@
             </a:ln>
             <a:extLst>
               <a:ext uri="{91240B29-F687-4f45-9708-019B960494DF}">
-                <a14:hiddenLine xmlns:a14="http://schemas.microsoft.com/office/drawing/2010/main" xmlns="" w="9525">
+                <a14:hiddenLine xmlns="" xmlns:a14="http://schemas.microsoft.com/office/drawing/2010/main" w="9525">
                   <a:solidFill>
                     <a:srgbClr val="000000"/>
                   </a:solidFill>
@@ -2223,7 +2223,7 @@
             </a:ln>
             <a:extLst>
               <a:ext uri="{91240B29-F687-4f45-9708-019B960494DF}">
-                <a14:hiddenLine xmlns:a14="http://schemas.microsoft.com/office/drawing/2010/main" xmlns="" w="9525">
+                <a14:hiddenLine xmlns="" xmlns:a14="http://schemas.microsoft.com/office/drawing/2010/main" w="9525">
                   <a:solidFill>
                     <a:srgbClr val="000000"/>
                   </a:solidFill>
@@ -2313,7 +2313,7 @@
             </a:ln>
             <a:extLst>
               <a:ext uri="{91240B29-F687-4f45-9708-019B960494DF}">
-                <a14:hiddenLine xmlns:a14="http://schemas.microsoft.com/office/drawing/2010/main" xmlns="" w="9525">
+                <a14:hiddenLine xmlns="" xmlns:a14="http://schemas.microsoft.com/office/drawing/2010/main" w="9525">
                   <a:solidFill>
                     <a:srgbClr val="000000"/>
                   </a:solidFill>
@@ -2347,7 +2347,7 @@
             </a:ln>
             <a:extLst>
               <a:ext uri="{91240B29-F687-4f45-9708-019B960494DF}">
-                <a14:hiddenLine xmlns:a14="http://schemas.microsoft.com/office/drawing/2010/main" xmlns="" w="9525">
+                <a14:hiddenLine xmlns="" xmlns:a14="http://schemas.microsoft.com/office/drawing/2010/main" w="9525">
                   <a:solidFill>
                     <a:srgbClr val="000000"/>
                   </a:solidFill>
@@ -2437,7 +2437,7 @@
             </a:ln>
             <a:extLst>
               <a:ext uri="{91240B29-F687-4f45-9708-019B960494DF}">
-                <a14:hiddenLine xmlns:a14="http://schemas.microsoft.com/office/drawing/2010/main" xmlns="" w="9525">
+                <a14:hiddenLine xmlns="" xmlns:a14="http://schemas.microsoft.com/office/drawing/2010/main" w="9525">
                   <a:solidFill>
                     <a:srgbClr val="000000"/>
                   </a:solidFill>
@@ -2499,7 +2499,7 @@
             </a:ln>
             <a:extLst>
               <a:ext uri="{91240B29-F687-4f45-9708-019B960494DF}">
-                <a14:hiddenLine xmlns:a14="http://schemas.microsoft.com/office/drawing/2010/main" xmlns="" w="9525">
+                <a14:hiddenLine xmlns="" xmlns:a14="http://schemas.microsoft.com/office/drawing/2010/main" w="9525">
                   <a:solidFill>
                     <a:srgbClr val="000000"/>
                   </a:solidFill>
@@ -2561,7 +2561,7 @@
             </a:ln>
             <a:extLst>
               <a:ext uri="{91240B29-F687-4f45-9708-019B960494DF}">
-                <a14:hiddenLine xmlns:a14="http://schemas.microsoft.com/office/drawing/2010/main" xmlns="" w="9525">
+                <a14:hiddenLine xmlns="" xmlns:a14="http://schemas.microsoft.com/office/drawing/2010/main" w="9525">
                   <a:solidFill>
                     <a:srgbClr val="000000"/>
                   </a:solidFill>
@@ -2651,7 +2651,7 @@
             </a:ln>
             <a:extLst>
               <a:ext uri="{91240B29-F687-4f45-9708-019B960494DF}">
-                <a14:hiddenLine xmlns:a14="http://schemas.microsoft.com/office/drawing/2010/main" xmlns="" w="9525">
+                <a14:hiddenLine xmlns="" xmlns:a14="http://schemas.microsoft.com/office/drawing/2010/main" w="9525">
                   <a:solidFill>
                     <a:srgbClr val="000000"/>
                   </a:solidFill>
@@ -2719,7 +2719,7 @@
             </a:ln>
             <a:extLst>
               <a:ext uri="{91240B29-F687-4f45-9708-019B960494DF}">
-                <a14:hiddenLine xmlns:a14="http://schemas.microsoft.com/office/drawing/2010/main" xmlns="" w="9525">
+                <a14:hiddenLine xmlns="" xmlns:a14="http://schemas.microsoft.com/office/drawing/2010/main" w="9525">
                   <a:solidFill>
                     <a:srgbClr val="000000"/>
                   </a:solidFill>
@@ -2781,7 +2781,7 @@
             </a:ln>
             <a:extLst>
               <a:ext uri="{91240B29-F687-4f45-9708-019B960494DF}">
-                <a14:hiddenLine xmlns:a14="http://schemas.microsoft.com/office/drawing/2010/main" xmlns="" w="9525">
+                <a14:hiddenLine xmlns="" xmlns:a14="http://schemas.microsoft.com/office/drawing/2010/main" w="9525">
                   <a:solidFill>
                     <a:srgbClr val="000000"/>
                   </a:solidFill>
@@ -2871,7 +2871,7 @@
             </a:ln>
             <a:extLst>
               <a:ext uri="{91240B29-F687-4f45-9708-019B960494DF}">
-                <a14:hiddenLine xmlns:a14="http://schemas.microsoft.com/office/drawing/2010/main" xmlns="" w="9525">
+                <a14:hiddenLine xmlns="" xmlns:a14="http://schemas.microsoft.com/office/drawing/2010/main" w="9525">
                   <a:solidFill>
                     <a:srgbClr val="000000"/>
                   </a:solidFill>
@@ -2933,7 +2933,7 @@
             </a:ln>
             <a:extLst>
               <a:ext uri="{91240B29-F687-4f45-9708-019B960494DF}">
-                <a14:hiddenLine xmlns:a14="http://schemas.microsoft.com/office/drawing/2010/main" xmlns="" w="9525">
+                <a14:hiddenLine xmlns="" xmlns:a14="http://schemas.microsoft.com/office/drawing/2010/main" w="9525">
                   <a:solidFill>
                     <a:srgbClr val="000000"/>
                   </a:solidFill>
@@ -3023,7 +3023,7 @@
             </a:ln>
             <a:extLst>
               <a:ext uri="{91240B29-F687-4f45-9708-019B960494DF}">
-                <a14:hiddenLine xmlns:a14="http://schemas.microsoft.com/office/drawing/2010/main" xmlns="" w="9525">
+                <a14:hiddenLine xmlns="" xmlns:a14="http://schemas.microsoft.com/office/drawing/2010/main" w="9525">
                   <a:solidFill>
                     <a:srgbClr val="000000"/>
                   </a:solidFill>
@@ -3085,7 +3085,7 @@
             </a:ln>
             <a:extLst>
               <a:ext uri="{91240B29-F687-4f45-9708-019B960494DF}">
-                <a14:hiddenLine xmlns:a14="http://schemas.microsoft.com/office/drawing/2010/main" xmlns="" w="9525">
+                <a14:hiddenLine xmlns="" xmlns:a14="http://schemas.microsoft.com/office/drawing/2010/main" w="9525">
                   <a:solidFill>
                     <a:srgbClr val="000000"/>
                   </a:solidFill>
@@ -3175,7 +3175,7 @@
             </a:ln>
             <a:extLst>
               <a:ext uri="{91240B29-F687-4f45-9708-019B960494DF}">
-                <a14:hiddenLine xmlns:a14="http://schemas.microsoft.com/office/drawing/2010/main" xmlns="" w="9525">
+                <a14:hiddenLine xmlns="" xmlns:a14="http://schemas.microsoft.com/office/drawing/2010/main" w="9525">
                   <a:solidFill>
                     <a:srgbClr val="000000"/>
                   </a:solidFill>
@@ -3209,7 +3209,7 @@
             </a:ln>
             <a:extLst>
               <a:ext uri="{91240B29-F687-4f45-9708-019B960494DF}">
-                <a14:hiddenLine xmlns:a14="http://schemas.microsoft.com/office/drawing/2010/main" xmlns="" w="9525">
+                <a14:hiddenLine xmlns="" xmlns:a14="http://schemas.microsoft.com/office/drawing/2010/main" w="9525">
                   <a:solidFill>
                     <a:srgbClr val="000000"/>
                   </a:solidFill>
@@ -3274,7 +3274,7 @@
             </a:ln>
             <a:extLst>
               <a:ext uri="{91240B29-F687-4f45-9708-019B960494DF}">
-                <a14:hiddenLine xmlns:a14="http://schemas.microsoft.com/office/drawing/2010/main" xmlns="" w="9525">
+                <a14:hiddenLine xmlns="" xmlns:a14="http://schemas.microsoft.com/office/drawing/2010/main" w="9525">
                   <a:solidFill>
                     <a:srgbClr val="000000"/>
                   </a:solidFill>
@@ -3364,7 +3364,7 @@
             </a:ln>
             <a:extLst>
               <a:ext uri="{91240B29-F687-4f45-9708-019B960494DF}">
-                <a14:hiddenLine xmlns:a14="http://schemas.microsoft.com/office/drawing/2010/main" xmlns="" w="9525">
+                <a14:hiddenLine xmlns="" xmlns:a14="http://schemas.microsoft.com/office/drawing/2010/main" w="9525">
                   <a:solidFill>
                     <a:srgbClr val="000000"/>
                   </a:solidFill>
@@ -3426,7 +3426,7 @@
             </a:ln>
             <a:extLst>
               <a:ext uri="{91240B29-F687-4f45-9708-019B960494DF}">
-                <a14:hiddenLine xmlns:a14="http://schemas.microsoft.com/office/drawing/2010/main" xmlns="" w="9525">
+                <a14:hiddenLine xmlns="" xmlns:a14="http://schemas.microsoft.com/office/drawing/2010/main" w="9525">
                   <a:solidFill>
                     <a:srgbClr val="000000"/>
                   </a:solidFill>
@@ -3516,7 +3516,7 @@
             </a:ln>
             <a:extLst>
               <a:ext uri="{91240B29-F687-4f45-9708-019B960494DF}">
-                <a14:hiddenLine xmlns:a14="http://schemas.microsoft.com/office/drawing/2010/main" xmlns="" w="9525">
+                <a14:hiddenLine xmlns="" xmlns:a14="http://schemas.microsoft.com/office/drawing/2010/main" w="9525">
                   <a:solidFill>
                     <a:srgbClr val="000000"/>
                   </a:solidFill>
@@ -3606,7 +3606,7 @@
             </a:ln>
             <a:extLst>
               <a:ext uri="{91240B29-F687-4f45-9708-019B960494DF}">
-                <a14:hiddenLine xmlns:a14="http://schemas.microsoft.com/office/drawing/2010/main" xmlns="" w="9525">
+                <a14:hiddenLine xmlns="" xmlns:a14="http://schemas.microsoft.com/office/drawing/2010/main" w="9525">
                   <a:solidFill>
                     <a:srgbClr val="000000"/>
                   </a:solidFill>
@@ -3671,7 +3671,7 @@
             </a:ln>
             <a:extLst>
               <a:ext uri="{91240B29-F687-4f45-9708-019B960494DF}">
-                <a14:hiddenLine xmlns:a14="http://schemas.microsoft.com/office/drawing/2010/main" xmlns="" w="9525">
+                <a14:hiddenLine xmlns="" xmlns:a14="http://schemas.microsoft.com/office/drawing/2010/main" w="9525">
                   <a:solidFill>
                     <a:srgbClr val="000000"/>
                   </a:solidFill>
@@ -3733,7 +3733,7 @@
             </a:ln>
             <a:extLst>
               <a:ext uri="{91240B29-F687-4f45-9708-019B960494DF}">
-                <a14:hiddenLine xmlns:a14="http://schemas.microsoft.com/office/drawing/2010/main" xmlns="" w="9525">
+                <a14:hiddenLine xmlns="" xmlns:a14="http://schemas.microsoft.com/office/drawing/2010/main" w="9525">
                   <a:solidFill>
                     <a:srgbClr val="000000"/>
                   </a:solidFill>
@@ -3823,7 +3823,7 @@
             </a:ln>
             <a:extLst>
               <a:ext uri="{91240B29-F687-4f45-9708-019B960494DF}">
-                <a14:hiddenLine xmlns:a14="http://schemas.microsoft.com/office/drawing/2010/main" xmlns="" w="9525">
+                <a14:hiddenLine xmlns="" xmlns:a14="http://schemas.microsoft.com/office/drawing/2010/main" w="9525">
                   <a:solidFill>
                     <a:srgbClr val="000000"/>
                   </a:solidFill>
@@ -3913,7 +3913,7 @@
             </a:ln>
             <a:extLst>
               <a:ext uri="{91240B29-F687-4f45-9708-019B960494DF}">
-                <a14:hiddenLine xmlns:a14="http://schemas.microsoft.com/office/drawing/2010/main" xmlns="" w="9525">
+                <a14:hiddenLine xmlns="" xmlns:a14="http://schemas.microsoft.com/office/drawing/2010/main" w="9525">
                   <a:solidFill>
                     <a:srgbClr val="000000"/>
                   </a:solidFill>
@@ -3975,7 +3975,7 @@
             </a:ln>
             <a:extLst>
               <a:ext uri="{91240B29-F687-4f45-9708-019B960494DF}">
-                <a14:hiddenLine xmlns:a14="http://schemas.microsoft.com/office/drawing/2010/main" xmlns="" w="9525">
+                <a14:hiddenLine xmlns="" xmlns:a14="http://schemas.microsoft.com/office/drawing/2010/main" w="9525">
                   <a:solidFill>
                     <a:srgbClr val="000000"/>
                   </a:solidFill>
@@ -4095,7 +4095,7 @@
             </a:ln>
             <a:extLst>
               <a:ext uri="{91240B29-F687-4f45-9708-019B960494DF}">
-                <a14:hiddenLine xmlns:a14="http://schemas.microsoft.com/office/drawing/2010/main" xmlns="" w="9525">
+                <a14:hiddenLine xmlns="" xmlns:a14="http://schemas.microsoft.com/office/drawing/2010/main" w="9525">
                   <a:solidFill>
                     <a:srgbClr val="000000"/>
                   </a:solidFill>
@@ -4163,7 +4163,7 @@
             </a:ln>
             <a:extLst>
               <a:ext uri="{91240B29-F687-4f45-9708-019B960494DF}">
-                <a14:hiddenLine xmlns:a14="http://schemas.microsoft.com/office/drawing/2010/main" xmlns="" w="9525">
+                <a14:hiddenLine xmlns="" xmlns:a14="http://schemas.microsoft.com/office/drawing/2010/main" w="9525">
                   <a:solidFill>
                     <a:srgbClr val="000000"/>
                   </a:solidFill>
@@ -4253,7 +4253,7 @@
             </a:ln>
             <a:extLst>
               <a:ext uri="{91240B29-F687-4f45-9708-019B960494DF}">
-                <a14:hiddenLine xmlns:a14="http://schemas.microsoft.com/office/drawing/2010/main" xmlns="" w="9525">
+                <a14:hiddenLine xmlns="" xmlns:a14="http://schemas.microsoft.com/office/drawing/2010/main" w="9525">
                   <a:solidFill>
                     <a:srgbClr val="000000"/>
                   </a:solidFill>
@@ -8975,7 +8975,7 @@
           <a:noFill/>
           <a:extLst>
             <a:ext uri="{909E8E84-426E-40dd-AFC4-6F175D3DCCD1}">
-              <a14:hiddenFill xmlns:a14="http://schemas.microsoft.com/office/drawing/2010/main" xmlns="">
+              <a14:hiddenFill xmlns="" xmlns:a14="http://schemas.microsoft.com/office/drawing/2010/main">
                 <a:solidFill>
                   <a:srgbClr val="FFFFFF"/>
                 </a:solidFill>
@@ -9049,7 +9049,7 @@
               </a:ln>
               <a:extLst>
                 <a:ext uri="{91240B29-F687-4f45-9708-019B960494DF}">
-                  <a14:hiddenLine xmlns:a14="http://schemas.microsoft.com/office/drawing/2010/main" xmlns="" w="9525">
+                  <a14:hiddenLine xmlns="" xmlns:a14="http://schemas.microsoft.com/office/drawing/2010/main" w="9525">
                     <a:solidFill>
                       <a:srgbClr val="000000"/>
                     </a:solidFill>
@@ -9139,7 +9139,7 @@
               </a:ln>
               <a:extLst>
                 <a:ext uri="{91240B29-F687-4f45-9708-019B960494DF}">
-                  <a14:hiddenLine xmlns:a14="http://schemas.microsoft.com/office/drawing/2010/main" xmlns="" w="9525">
+                  <a14:hiddenLine xmlns="" xmlns:a14="http://schemas.microsoft.com/office/drawing/2010/main" w="9525">
                     <a:solidFill>
                       <a:srgbClr val="000000"/>
                     </a:solidFill>
@@ -9229,7 +9229,7 @@
               </a:ln>
               <a:extLst>
                 <a:ext uri="{91240B29-F687-4f45-9708-019B960494DF}">
-                  <a14:hiddenLine xmlns:a14="http://schemas.microsoft.com/office/drawing/2010/main" xmlns="" w="9525">
+                  <a14:hiddenLine xmlns="" xmlns:a14="http://schemas.microsoft.com/office/drawing/2010/main" w="9525">
                     <a:solidFill>
                       <a:srgbClr val="000000"/>
                     </a:solidFill>
@@ -9291,7 +9291,7 @@
               </a:ln>
               <a:extLst>
                 <a:ext uri="{91240B29-F687-4f45-9708-019B960494DF}">
-                  <a14:hiddenLine xmlns:a14="http://schemas.microsoft.com/office/drawing/2010/main" xmlns="" w="9525">
+                  <a14:hiddenLine xmlns="" xmlns:a14="http://schemas.microsoft.com/office/drawing/2010/main" w="9525">
                     <a:solidFill>
                       <a:srgbClr val="000000"/>
                     </a:solidFill>
@@ -9381,7 +9381,7 @@
               </a:ln>
               <a:extLst>
                 <a:ext uri="{91240B29-F687-4f45-9708-019B960494DF}">
-                  <a14:hiddenLine xmlns:a14="http://schemas.microsoft.com/office/drawing/2010/main" xmlns="" w="9525">
+                  <a14:hiddenLine xmlns="" xmlns:a14="http://schemas.microsoft.com/office/drawing/2010/main" w="9525">
                     <a:solidFill>
                       <a:srgbClr val="000000"/>
                     </a:solidFill>
@@ -9443,7 +9443,7 @@
               </a:ln>
               <a:extLst>
                 <a:ext uri="{91240B29-F687-4f45-9708-019B960494DF}">
-                  <a14:hiddenLine xmlns:a14="http://schemas.microsoft.com/office/drawing/2010/main" xmlns="" w="9525">
+                  <a14:hiddenLine xmlns="" xmlns:a14="http://schemas.microsoft.com/office/drawing/2010/main" w="9525">
                     <a:solidFill>
                       <a:srgbClr val="000000"/>
                     </a:solidFill>
@@ -9505,7 +9505,7 @@
               </a:ln>
               <a:extLst>
                 <a:ext uri="{91240B29-F687-4f45-9708-019B960494DF}">
-                  <a14:hiddenLine xmlns:a14="http://schemas.microsoft.com/office/drawing/2010/main" xmlns="" w="9525">
+                  <a14:hiddenLine xmlns="" xmlns:a14="http://schemas.microsoft.com/office/drawing/2010/main" w="9525">
                     <a:solidFill>
                       <a:srgbClr val="000000"/>
                     </a:solidFill>
@@ -9595,7 +9595,7 @@
               </a:ln>
               <a:extLst>
                 <a:ext uri="{91240B29-F687-4f45-9708-019B960494DF}">
-                  <a14:hiddenLine xmlns:a14="http://schemas.microsoft.com/office/drawing/2010/main" xmlns="" w="9525">
+                  <a14:hiddenLine xmlns="" xmlns:a14="http://schemas.microsoft.com/office/drawing/2010/main" w="9525">
                     <a:solidFill>
                       <a:srgbClr val="000000"/>
                     </a:solidFill>
@@ -9685,7 +9685,7 @@
               </a:ln>
               <a:extLst>
                 <a:ext uri="{91240B29-F687-4f45-9708-019B960494DF}">
-                  <a14:hiddenLine xmlns:a14="http://schemas.microsoft.com/office/drawing/2010/main" xmlns="" w="9525">
+                  <a14:hiddenLine xmlns="" xmlns:a14="http://schemas.microsoft.com/office/drawing/2010/main" w="9525">
                     <a:solidFill>
                       <a:srgbClr val="000000"/>
                     </a:solidFill>
@@ -9747,7 +9747,7 @@
               </a:ln>
               <a:extLst>
                 <a:ext uri="{91240B29-F687-4f45-9708-019B960494DF}">
-                  <a14:hiddenLine xmlns:a14="http://schemas.microsoft.com/office/drawing/2010/main" xmlns="" w="9525">
+                  <a14:hiddenLine xmlns="" xmlns:a14="http://schemas.microsoft.com/office/drawing/2010/main" w="9525">
                     <a:solidFill>
                       <a:srgbClr val="000000"/>
                     </a:solidFill>
@@ -9857,7 +9857,7 @@
               </a:ln>
               <a:extLst>
                 <a:ext uri="{91240B29-F687-4f45-9708-019B960494DF}">
-                  <a14:hiddenLine xmlns:a14="http://schemas.microsoft.com/office/drawing/2010/main" xmlns="" w="9525">
+                  <a14:hiddenLine xmlns="" xmlns:a14="http://schemas.microsoft.com/office/drawing/2010/main" w="9525">
                     <a:solidFill>
                       <a:srgbClr val="000000"/>
                     </a:solidFill>
@@ -9941,7 +9941,7 @@
               </a:ln>
               <a:extLst>
                 <a:ext uri="{91240B29-F687-4f45-9708-019B960494DF}">
-                  <a14:hiddenLine xmlns:a14="http://schemas.microsoft.com/office/drawing/2010/main" xmlns="" w="9525">
+                  <a14:hiddenLine xmlns="" xmlns:a14="http://schemas.microsoft.com/office/drawing/2010/main" w="9525">
                     <a:solidFill>
                       <a:srgbClr val="000000"/>
                     </a:solidFill>
@@ -10003,7 +10003,7 @@
               </a:ln>
               <a:extLst>
                 <a:ext uri="{91240B29-F687-4f45-9708-019B960494DF}">
-                  <a14:hiddenLine xmlns:a14="http://schemas.microsoft.com/office/drawing/2010/main" xmlns="" w="9525">
+                  <a14:hiddenLine xmlns="" xmlns:a14="http://schemas.microsoft.com/office/drawing/2010/main" w="9525">
                     <a:solidFill>
                       <a:srgbClr val="000000"/>
                     </a:solidFill>
@@ -10065,7 +10065,7 @@
               </a:ln>
               <a:extLst>
                 <a:ext uri="{91240B29-F687-4f45-9708-019B960494DF}">
-                  <a14:hiddenLine xmlns:a14="http://schemas.microsoft.com/office/drawing/2010/main" xmlns="" w="9525">
+                  <a14:hiddenLine xmlns="" xmlns:a14="http://schemas.microsoft.com/office/drawing/2010/main" w="9525">
                     <a:solidFill>
                       <a:srgbClr val="000000"/>
                     </a:solidFill>
@@ -10155,7 +10155,7 @@
               </a:ln>
               <a:extLst>
                 <a:ext uri="{91240B29-F687-4f45-9708-019B960494DF}">
-                  <a14:hiddenLine xmlns:a14="http://schemas.microsoft.com/office/drawing/2010/main" xmlns="" w="9525">
+                  <a14:hiddenLine xmlns="" xmlns:a14="http://schemas.microsoft.com/office/drawing/2010/main" w="9525">
                     <a:solidFill>
                       <a:srgbClr val="000000"/>
                     </a:solidFill>
@@ -10189,7 +10189,7 @@
               </a:ln>
               <a:extLst>
                 <a:ext uri="{91240B29-F687-4f45-9708-019B960494DF}">
-                  <a14:hiddenLine xmlns:a14="http://schemas.microsoft.com/office/drawing/2010/main" xmlns="" w="9525">
+                  <a14:hiddenLine xmlns="" xmlns:a14="http://schemas.microsoft.com/office/drawing/2010/main" w="9525">
                     <a:solidFill>
                       <a:srgbClr val="000000"/>
                     </a:solidFill>
@@ -10254,7 +10254,7 @@
               </a:ln>
               <a:extLst>
                 <a:ext uri="{91240B29-F687-4f45-9708-019B960494DF}">
-                  <a14:hiddenLine xmlns:a14="http://schemas.microsoft.com/office/drawing/2010/main" xmlns="" w="9525">
+                  <a14:hiddenLine xmlns="" xmlns:a14="http://schemas.microsoft.com/office/drawing/2010/main" w="9525">
                     <a:solidFill>
                       <a:srgbClr val="000000"/>
                     </a:solidFill>
@@ -10344,7 +10344,7 @@
               </a:ln>
               <a:extLst>
                 <a:ext uri="{91240B29-F687-4f45-9708-019B960494DF}">
-                  <a14:hiddenLine xmlns:a14="http://schemas.microsoft.com/office/drawing/2010/main" xmlns="" w="9525">
+                  <a14:hiddenLine xmlns="" xmlns:a14="http://schemas.microsoft.com/office/drawing/2010/main" w="9525">
                     <a:solidFill>
                       <a:srgbClr val="000000"/>
                     </a:solidFill>
@@ -10406,7 +10406,7 @@
               </a:ln>
               <a:extLst>
                 <a:ext uri="{91240B29-F687-4f45-9708-019B960494DF}">
-                  <a14:hiddenLine xmlns:a14="http://schemas.microsoft.com/office/drawing/2010/main" xmlns="" w="9525">
+                  <a14:hiddenLine xmlns="" xmlns:a14="http://schemas.microsoft.com/office/drawing/2010/main" w="9525">
                     <a:solidFill>
                       <a:srgbClr val="000000"/>
                     </a:solidFill>
@@ -10496,7 +10496,7 @@
               </a:ln>
               <a:extLst>
                 <a:ext uri="{91240B29-F687-4f45-9708-019B960494DF}">
-                  <a14:hiddenLine xmlns:a14="http://schemas.microsoft.com/office/drawing/2010/main" xmlns="" w="9525">
+                  <a14:hiddenLine xmlns="" xmlns:a14="http://schemas.microsoft.com/office/drawing/2010/main" w="9525">
                     <a:solidFill>
                       <a:srgbClr val="000000"/>
                     </a:solidFill>
@@ -10561,7 +10561,7 @@
               </a:ln>
               <a:extLst>
                 <a:ext uri="{91240B29-F687-4f45-9708-019B960494DF}">
-                  <a14:hiddenLine xmlns:a14="http://schemas.microsoft.com/office/drawing/2010/main" xmlns="" w="9525">
+                  <a14:hiddenLine xmlns="" xmlns:a14="http://schemas.microsoft.com/office/drawing/2010/main" w="9525">
                     <a:solidFill>
                       <a:srgbClr val="000000"/>
                     </a:solidFill>
@@ -10623,7 +10623,7 @@
               </a:ln>
               <a:extLst>
                 <a:ext uri="{91240B29-F687-4f45-9708-019B960494DF}">
-                  <a14:hiddenLine xmlns:a14="http://schemas.microsoft.com/office/drawing/2010/main" xmlns="" w="9525">
+                  <a14:hiddenLine xmlns="" xmlns:a14="http://schemas.microsoft.com/office/drawing/2010/main" w="9525">
                     <a:solidFill>
                       <a:srgbClr val="000000"/>
                     </a:solidFill>
@@ -10713,7 +10713,7 @@
               </a:ln>
               <a:extLst>
                 <a:ext uri="{91240B29-F687-4f45-9708-019B960494DF}">
-                  <a14:hiddenLine xmlns:a14="http://schemas.microsoft.com/office/drawing/2010/main" xmlns="" w="9525">
+                  <a14:hiddenLine xmlns="" xmlns:a14="http://schemas.microsoft.com/office/drawing/2010/main" w="9525">
                     <a:solidFill>
                       <a:srgbClr val="000000"/>
                     </a:solidFill>
@@ -10803,7 +10803,7 @@
               </a:ln>
               <a:extLst>
                 <a:ext uri="{91240B29-F687-4f45-9708-019B960494DF}">
-                  <a14:hiddenLine xmlns:a14="http://schemas.microsoft.com/office/drawing/2010/main" xmlns="" w="9525">
+                  <a14:hiddenLine xmlns="" xmlns:a14="http://schemas.microsoft.com/office/drawing/2010/main" w="9525">
                     <a:solidFill>
                       <a:srgbClr val="000000"/>
                     </a:solidFill>
@@ -10868,7 +10868,7 @@
               </a:ln>
               <a:extLst>
                 <a:ext uri="{91240B29-F687-4f45-9708-019B960494DF}">
-                  <a14:hiddenLine xmlns:a14="http://schemas.microsoft.com/office/drawing/2010/main" xmlns="" w="9525">
+                  <a14:hiddenLine xmlns="" xmlns:a14="http://schemas.microsoft.com/office/drawing/2010/main" w="9525">
                     <a:solidFill>
                       <a:srgbClr val="000000"/>
                     </a:solidFill>
@@ -10988,7 +10988,7 @@
               </a:ln>
               <a:extLst>
                 <a:ext uri="{91240B29-F687-4f45-9708-019B960494DF}">
-                  <a14:hiddenLine xmlns:a14="http://schemas.microsoft.com/office/drawing/2010/main" xmlns="" w="9525">
+                  <a14:hiddenLine xmlns="" xmlns:a14="http://schemas.microsoft.com/office/drawing/2010/main" w="9525">
                     <a:solidFill>
                       <a:srgbClr val="000000"/>
                     </a:solidFill>
@@ -11086,7 +11086,7 @@
               </a:ln>
               <a:extLst>
                 <a:ext uri="{91240B29-F687-4f45-9708-019B960494DF}">
-                  <a14:hiddenLine xmlns:a14="http://schemas.microsoft.com/office/drawing/2010/main" xmlns="" w="9525">
+                  <a14:hiddenLine xmlns="" xmlns:a14="http://schemas.microsoft.com/office/drawing/2010/main" w="9525">
                     <a:solidFill>
                       <a:srgbClr val="000000"/>
                     </a:solidFill>
@@ -11201,7 +11201,7 @@
               </a:ln>
               <a:extLst>
                 <a:ext uri="{91240B29-F687-4f45-9708-019B960494DF}">
-                  <a14:hiddenLine xmlns:a14="http://schemas.microsoft.com/office/drawing/2010/main" xmlns="" w="9525">
+                  <a14:hiddenLine xmlns="" xmlns:a14="http://schemas.microsoft.com/office/drawing/2010/main" w="9525">
                     <a:solidFill>
                       <a:srgbClr val="000000"/>
                     </a:solidFill>
@@ -11291,7 +11291,7 @@
               </a:ln>
               <a:extLst>
                 <a:ext uri="{91240B29-F687-4f45-9708-019B960494DF}">
-                  <a14:hiddenLine xmlns:a14="http://schemas.microsoft.com/office/drawing/2010/main" xmlns="" w="9525">
+                  <a14:hiddenLine xmlns="" xmlns:a14="http://schemas.microsoft.com/office/drawing/2010/main" w="9525">
                     <a:solidFill>
                       <a:srgbClr val="000000"/>
                     </a:solidFill>
@@ -11356,7 +11356,7 @@
               </a:ln>
               <a:extLst>
                 <a:ext uri="{91240B29-F687-4f45-9708-019B960494DF}">
-                  <a14:hiddenLine xmlns:a14="http://schemas.microsoft.com/office/drawing/2010/main" xmlns="" w="9525">
+                  <a14:hiddenLine xmlns="" xmlns:a14="http://schemas.microsoft.com/office/drawing/2010/main" w="9525">
                     <a:solidFill>
                       <a:srgbClr val="000000"/>
                     </a:solidFill>
@@ -11446,7 +11446,7 @@
               </a:ln>
               <a:extLst>
                 <a:ext uri="{91240B29-F687-4f45-9708-019B960494DF}">
-                  <a14:hiddenLine xmlns:a14="http://schemas.microsoft.com/office/drawing/2010/main" xmlns="" w="9525">
+                  <a14:hiddenLine xmlns="" xmlns:a14="http://schemas.microsoft.com/office/drawing/2010/main" w="9525">
                     <a:solidFill>
                       <a:srgbClr val="000000"/>
                     </a:solidFill>
@@ -11514,7 +11514,7 @@
               </a:ln>
               <a:extLst>
                 <a:ext uri="{91240B29-F687-4f45-9708-019B960494DF}">
-                  <a14:hiddenLine xmlns:a14="http://schemas.microsoft.com/office/drawing/2010/main" xmlns="" w="9525">
+                  <a14:hiddenLine xmlns="" xmlns:a14="http://schemas.microsoft.com/office/drawing/2010/main" w="9525">
                     <a:solidFill>
                       <a:srgbClr val="000000"/>
                     </a:solidFill>
@@ -11604,7 +11604,7 @@
               </a:ln>
               <a:extLst>
                 <a:ext uri="{91240B29-F687-4f45-9708-019B960494DF}">
-                  <a14:hiddenLine xmlns:a14="http://schemas.microsoft.com/office/drawing/2010/main" xmlns="" w="9525">
+                  <a14:hiddenLine xmlns="" xmlns:a14="http://schemas.microsoft.com/office/drawing/2010/main" w="9525">
                     <a:solidFill>
                       <a:srgbClr val="000000"/>
                     </a:solidFill>
@@ -11672,7 +11672,7 @@
               </a:ln>
               <a:extLst>
                 <a:ext uri="{91240B29-F687-4f45-9708-019B960494DF}">
-                  <a14:hiddenLine xmlns:a14="http://schemas.microsoft.com/office/drawing/2010/main" xmlns="" w="9525">
+                  <a14:hiddenLine xmlns="" xmlns:a14="http://schemas.microsoft.com/office/drawing/2010/main" w="9525">
                     <a:solidFill>
                       <a:srgbClr val="000000"/>
                     </a:solidFill>
@@ -11762,7 +11762,7 @@
               </a:ln>
               <a:extLst>
                 <a:ext uri="{91240B29-F687-4f45-9708-019B960494DF}">
-                  <a14:hiddenLine xmlns:a14="http://schemas.microsoft.com/office/drawing/2010/main" xmlns="" w="9525">
+                  <a14:hiddenLine xmlns="" xmlns:a14="http://schemas.microsoft.com/office/drawing/2010/main" w="9525">
                     <a:solidFill>
                       <a:srgbClr val="000000"/>
                     </a:solidFill>
@@ -11796,7 +11796,7 @@
               </a:ln>
               <a:extLst>
                 <a:ext uri="{91240B29-F687-4f45-9708-019B960494DF}">
-                  <a14:hiddenLine xmlns:a14="http://schemas.microsoft.com/office/drawing/2010/main" xmlns="" w="9525">
+                  <a14:hiddenLine xmlns="" xmlns:a14="http://schemas.microsoft.com/office/drawing/2010/main" w="9525">
                     <a:solidFill>
                       <a:srgbClr val="000000"/>
                     </a:solidFill>
@@ -12615,7 +12615,7 @@
           <a:p>
             <a:r>
               <a:rPr lang="de-DE" dirty="0"/>
-              <a:t>Änderungen zur finalen Version</a:t>
+              <a:t>Finale Website</a:t>
             </a:r>
           </a:p>
         </p:txBody>
@@ -13071,7 +13071,7 @@
           <a:p>
             <a:r>
               <a:rPr lang="de-DE" dirty="0"/>
-              <a:t>Änderungen</a:t>
+              <a:t>Finale Website</a:t>
             </a:r>
           </a:p>
         </p:txBody>
@@ -13097,38 +13097,7 @@
           <a:bodyPr/>
           <a:lstStyle/>
           <a:p>
-            <a:r>
-              <a:rPr lang="de-DE" dirty="0"/>
-              <a:t>Buttonfarbe</a:t>
-            </a:r>
-          </a:p>
-          <a:p>
-            <a:r>
-              <a:rPr lang="de-DE" dirty="0"/>
-              <a:t>Images</a:t>
-            </a:r>
-          </a:p>
-          <a:p>
-            <a:r>
-              <a:rPr lang="de-DE" dirty="0"/>
-              <a:t>Animation Firmen</a:t>
-            </a:r>
-          </a:p>
-          <a:p>
-            <a:r>
-              <a:rPr lang="de-DE" dirty="0"/>
-              <a:t>Navigation Bar</a:t>
-            </a:r>
-          </a:p>
-          <a:p>
-            <a:r>
-              <a:rPr lang="de-DE" dirty="0" err="1"/>
-              <a:t>Responsiveness</a:t>
-            </a:r>
-            <a:r>
-              <a:rPr lang="de-DE" dirty="0"/>
-              <a:t> der Firmen</a:t>
-            </a:r>
+            <a:endParaRPr lang="de-DE" dirty="0"/>
           </a:p>
         </p:txBody>
       </p:sp>

--- a/Präsentationen/Finale_präsentation/siai_endpräsentation.pptx
+++ b/Präsentationen/Finale_präsentation/siai_endpräsentation.pptx
@@ -167,7 +167,7 @@
           <a:noFill/>
           <a:extLst>
             <a:ext uri="{909E8E84-426E-40dd-AFC4-6F175D3DCCD1}">
-              <a14:hiddenFill xmlns="" xmlns:a14="http://schemas.microsoft.com/office/drawing/2010/main">
+              <a14:hiddenFill xmlns:a14="http://schemas.microsoft.com/office/drawing/2010/main" xmlns="">
                 <a:solidFill>
                   <a:srgbClr val="FFFFFF"/>
                 </a:solidFill>
@@ -227,7 +227,7 @@
             </a:ln>
             <a:extLst>
               <a:ext uri="{91240B29-F687-4f45-9708-019B960494DF}">
-                <a14:hiddenLine xmlns="" xmlns:a14="http://schemas.microsoft.com/office/drawing/2010/main" w="9525">
+                <a14:hiddenLine xmlns:a14="http://schemas.microsoft.com/office/drawing/2010/main" xmlns="" w="9525">
                   <a:solidFill>
                     <a:srgbClr val="000000"/>
                   </a:solidFill>
@@ -317,7 +317,7 @@
             </a:ln>
             <a:extLst>
               <a:ext uri="{91240B29-F687-4f45-9708-019B960494DF}">
-                <a14:hiddenLine xmlns="" xmlns:a14="http://schemas.microsoft.com/office/drawing/2010/main" w="9525">
+                <a14:hiddenLine xmlns:a14="http://schemas.microsoft.com/office/drawing/2010/main" xmlns="" w="9525">
                   <a:solidFill>
                     <a:srgbClr val="000000"/>
                   </a:solidFill>
@@ -407,7 +407,7 @@
             </a:ln>
             <a:extLst>
               <a:ext uri="{91240B29-F687-4f45-9708-019B960494DF}">
-                <a14:hiddenLine xmlns="" xmlns:a14="http://schemas.microsoft.com/office/drawing/2010/main" w="9525">
+                <a14:hiddenLine xmlns:a14="http://schemas.microsoft.com/office/drawing/2010/main" xmlns="" w="9525">
                   <a:solidFill>
                     <a:srgbClr val="000000"/>
                   </a:solidFill>
@@ -441,7 +441,7 @@
             </a:ln>
             <a:extLst>
               <a:ext uri="{91240B29-F687-4f45-9708-019B960494DF}">
-                <a14:hiddenLine xmlns="" xmlns:a14="http://schemas.microsoft.com/office/drawing/2010/main" w="9525">
+                <a14:hiddenLine xmlns:a14="http://schemas.microsoft.com/office/drawing/2010/main" xmlns="" w="9525">
                   <a:solidFill>
                     <a:srgbClr val="000000"/>
                   </a:solidFill>
@@ -531,7 +531,7 @@
             </a:ln>
             <a:extLst>
               <a:ext uri="{91240B29-F687-4f45-9708-019B960494DF}">
-                <a14:hiddenLine xmlns="" xmlns:a14="http://schemas.microsoft.com/office/drawing/2010/main" w="9525">
+                <a14:hiddenLine xmlns:a14="http://schemas.microsoft.com/office/drawing/2010/main" xmlns="" w="9525">
                   <a:solidFill>
                     <a:srgbClr val="000000"/>
                   </a:solidFill>
@@ -593,7 +593,7 @@
             </a:ln>
             <a:extLst>
               <a:ext uri="{91240B29-F687-4f45-9708-019B960494DF}">
-                <a14:hiddenLine xmlns="" xmlns:a14="http://schemas.microsoft.com/office/drawing/2010/main" w="9525">
+                <a14:hiddenLine xmlns:a14="http://schemas.microsoft.com/office/drawing/2010/main" xmlns="" w="9525">
                   <a:solidFill>
                     <a:srgbClr val="000000"/>
                   </a:solidFill>
@@ -655,7 +655,7 @@
             </a:ln>
             <a:extLst>
               <a:ext uri="{91240B29-F687-4f45-9708-019B960494DF}">
-                <a14:hiddenLine xmlns="" xmlns:a14="http://schemas.microsoft.com/office/drawing/2010/main" w="9525">
+                <a14:hiddenLine xmlns:a14="http://schemas.microsoft.com/office/drawing/2010/main" xmlns="" w="9525">
                   <a:solidFill>
                     <a:srgbClr val="000000"/>
                   </a:solidFill>
@@ -745,7 +745,7 @@
             </a:ln>
             <a:extLst>
               <a:ext uri="{91240B29-F687-4f45-9708-019B960494DF}">
-                <a14:hiddenLine xmlns="" xmlns:a14="http://schemas.microsoft.com/office/drawing/2010/main" w="9525">
+                <a14:hiddenLine xmlns:a14="http://schemas.microsoft.com/office/drawing/2010/main" xmlns="" w="9525">
                   <a:solidFill>
                     <a:srgbClr val="000000"/>
                   </a:solidFill>
@@ -807,7 +807,7 @@
             </a:ln>
             <a:extLst>
               <a:ext uri="{91240B29-F687-4f45-9708-019B960494DF}">
-                <a14:hiddenLine xmlns="" xmlns:a14="http://schemas.microsoft.com/office/drawing/2010/main" w="9525">
+                <a14:hiddenLine xmlns:a14="http://schemas.microsoft.com/office/drawing/2010/main" xmlns="" w="9525">
                   <a:solidFill>
                     <a:srgbClr val="000000"/>
                   </a:solidFill>
@@ -869,7 +869,7 @@
             </a:ln>
             <a:extLst>
               <a:ext uri="{91240B29-F687-4f45-9708-019B960494DF}">
-                <a14:hiddenLine xmlns="" xmlns:a14="http://schemas.microsoft.com/office/drawing/2010/main" w="9525">
+                <a14:hiddenLine xmlns:a14="http://schemas.microsoft.com/office/drawing/2010/main" xmlns="" w="9525">
                   <a:solidFill>
                     <a:srgbClr val="000000"/>
                   </a:solidFill>
@@ -959,7 +959,7 @@
             </a:ln>
             <a:extLst>
               <a:ext uri="{91240B29-F687-4f45-9708-019B960494DF}">
-                <a14:hiddenLine xmlns="" xmlns:a14="http://schemas.microsoft.com/office/drawing/2010/main" w="9525">
+                <a14:hiddenLine xmlns:a14="http://schemas.microsoft.com/office/drawing/2010/main" xmlns="" w="9525">
                   <a:solidFill>
                     <a:srgbClr val="000000"/>
                   </a:solidFill>
@@ -1049,7 +1049,7 @@
             </a:ln>
             <a:extLst>
               <a:ext uri="{91240B29-F687-4f45-9708-019B960494DF}">
-                <a14:hiddenLine xmlns="" xmlns:a14="http://schemas.microsoft.com/office/drawing/2010/main" w="9525">
+                <a14:hiddenLine xmlns:a14="http://schemas.microsoft.com/office/drawing/2010/main" xmlns="" w="9525">
                   <a:solidFill>
                     <a:srgbClr val="000000"/>
                   </a:solidFill>
@@ -1111,7 +1111,7 @@
             </a:ln>
             <a:extLst>
               <a:ext uri="{91240B29-F687-4f45-9708-019B960494DF}">
-                <a14:hiddenLine xmlns="" xmlns:a14="http://schemas.microsoft.com/office/drawing/2010/main" w="9525">
+                <a14:hiddenLine xmlns:a14="http://schemas.microsoft.com/office/drawing/2010/main" xmlns="" w="9525">
                   <a:solidFill>
                     <a:srgbClr val="000000"/>
                   </a:solidFill>
@@ -1221,7 +1221,7 @@
             </a:ln>
             <a:extLst>
               <a:ext uri="{91240B29-F687-4f45-9708-019B960494DF}">
-                <a14:hiddenLine xmlns="" xmlns:a14="http://schemas.microsoft.com/office/drawing/2010/main" w="9525">
+                <a14:hiddenLine xmlns:a14="http://schemas.microsoft.com/office/drawing/2010/main" xmlns="" w="9525">
                   <a:solidFill>
                     <a:srgbClr val="000000"/>
                   </a:solidFill>
@@ -1283,7 +1283,7 @@
             </a:ln>
             <a:extLst>
               <a:ext uri="{91240B29-F687-4f45-9708-019B960494DF}">
-                <a14:hiddenLine xmlns="" xmlns:a14="http://schemas.microsoft.com/office/drawing/2010/main" w="9525">
+                <a14:hiddenLine xmlns:a14="http://schemas.microsoft.com/office/drawing/2010/main" xmlns="" w="9525">
                   <a:solidFill>
                     <a:srgbClr val="000000"/>
                   </a:solidFill>
@@ -1373,7 +1373,7 @@
             </a:ln>
             <a:extLst>
               <a:ext uri="{91240B29-F687-4f45-9708-019B960494DF}">
-                <a14:hiddenLine xmlns="" xmlns:a14="http://schemas.microsoft.com/office/drawing/2010/main" w="9525">
+                <a14:hiddenLine xmlns:a14="http://schemas.microsoft.com/office/drawing/2010/main" xmlns="" w="9525">
                   <a:solidFill>
                     <a:srgbClr val="000000"/>
                   </a:solidFill>
@@ -1463,7 +1463,7 @@
             </a:ln>
             <a:extLst>
               <a:ext uri="{91240B29-F687-4f45-9708-019B960494DF}">
-                <a14:hiddenLine xmlns="" xmlns:a14="http://schemas.microsoft.com/office/drawing/2010/main" w="9525">
+                <a14:hiddenLine xmlns:a14="http://schemas.microsoft.com/office/drawing/2010/main" xmlns="" w="9525">
                   <a:solidFill>
                     <a:srgbClr val="000000"/>
                   </a:solidFill>
@@ -1525,7 +1525,7 @@
             </a:ln>
             <a:extLst>
               <a:ext uri="{91240B29-F687-4f45-9708-019B960494DF}">
-                <a14:hiddenLine xmlns="" xmlns:a14="http://schemas.microsoft.com/office/drawing/2010/main" w="9525">
+                <a14:hiddenLine xmlns:a14="http://schemas.microsoft.com/office/drawing/2010/main" xmlns="" w="9525">
                   <a:solidFill>
                     <a:srgbClr val="000000"/>
                   </a:solidFill>
@@ -1615,7 +1615,7 @@
             </a:ln>
             <a:extLst>
               <a:ext uri="{91240B29-F687-4f45-9708-019B960494DF}">
-                <a14:hiddenLine xmlns="" xmlns:a14="http://schemas.microsoft.com/office/drawing/2010/main" w="9525">
+                <a14:hiddenLine xmlns:a14="http://schemas.microsoft.com/office/drawing/2010/main" xmlns="" w="9525">
                   <a:solidFill>
                     <a:srgbClr val="000000"/>
                   </a:solidFill>
@@ -1705,7 +1705,7 @@
             </a:ln>
             <a:extLst>
               <a:ext uri="{91240B29-F687-4f45-9708-019B960494DF}">
-                <a14:hiddenLine xmlns="" xmlns:a14="http://schemas.microsoft.com/office/drawing/2010/main" w="9525">
+                <a14:hiddenLine xmlns:a14="http://schemas.microsoft.com/office/drawing/2010/main" xmlns="" w="9525">
                   <a:solidFill>
                     <a:srgbClr val="000000"/>
                   </a:solidFill>
@@ -1761,7 +1761,7 @@
             </a:ln>
             <a:extLst>
               <a:ext uri="{91240B29-F687-4f45-9708-019B960494DF}">
-                <a14:hiddenLine xmlns="" xmlns:a14="http://schemas.microsoft.com/office/drawing/2010/main" w="9525">
+                <a14:hiddenLine xmlns:a14="http://schemas.microsoft.com/office/drawing/2010/main" xmlns="" w="9525">
                   <a:solidFill>
                     <a:srgbClr val="000000"/>
                   </a:solidFill>
@@ -1851,7 +1851,7 @@
             </a:ln>
             <a:extLst>
               <a:ext uri="{91240B29-F687-4f45-9708-019B960494DF}">
-                <a14:hiddenLine xmlns="" xmlns:a14="http://schemas.microsoft.com/office/drawing/2010/main" w="9525">
+                <a14:hiddenLine xmlns:a14="http://schemas.microsoft.com/office/drawing/2010/main" xmlns="" w="9525">
                   <a:solidFill>
                     <a:srgbClr val="000000"/>
                   </a:solidFill>
@@ -1907,7 +1907,7 @@
             </a:ln>
             <a:extLst>
               <a:ext uri="{91240B29-F687-4f45-9708-019B960494DF}">
-                <a14:hiddenLine xmlns="" xmlns:a14="http://schemas.microsoft.com/office/drawing/2010/main" w="9525">
+                <a14:hiddenLine xmlns:a14="http://schemas.microsoft.com/office/drawing/2010/main" xmlns="" w="9525">
                   <a:solidFill>
                     <a:srgbClr val="000000"/>
                   </a:solidFill>
@@ -1997,7 +1997,7 @@
             </a:ln>
             <a:extLst>
               <a:ext uri="{91240B29-F687-4f45-9708-019B960494DF}">
-                <a14:hiddenLine xmlns="" xmlns:a14="http://schemas.microsoft.com/office/drawing/2010/main" w="9525">
+                <a14:hiddenLine xmlns:a14="http://schemas.microsoft.com/office/drawing/2010/main" xmlns="" w="9525">
                   <a:solidFill>
                     <a:srgbClr val="000000"/>
                   </a:solidFill>
@@ -2065,7 +2065,7 @@
             </a:ln>
             <a:extLst>
               <a:ext uri="{91240B29-F687-4f45-9708-019B960494DF}">
-                <a14:hiddenLine xmlns="" xmlns:a14="http://schemas.microsoft.com/office/drawing/2010/main" w="9525">
+                <a14:hiddenLine xmlns:a14="http://schemas.microsoft.com/office/drawing/2010/main" xmlns="" w="9525">
                   <a:solidFill>
                     <a:srgbClr val="000000"/>
                   </a:solidFill>
@@ -2155,7 +2155,7 @@
             </a:ln>
             <a:extLst>
               <a:ext uri="{91240B29-F687-4f45-9708-019B960494DF}">
-                <a14:hiddenLine xmlns="" xmlns:a14="http://schemas.microsoft.com/office/drawing/2010/main" w="9525">
+                <a14:hiddenLine xmlns:a14="http://schemas.microsoft.com/office/drawing/2010/main" xmlns="" w="9525">
                   <a:solidFill>
                     <a:srgbClr val="000000"/>
                   </a:solidFill>
@@ -2223,7 +2223,7 @@
             </a:ln>
             <a:extLst>
               <a:ext uri="{91240B29-F687-4f45-9708-019B960494DF}">
-                <a14:hiddenLine xmlns="" xmlns:a14="http://schemas.microsoft.com/office/drawing/2010/main" w="9525">
+                <a14:hiddenLine xmlns:a14="http://schemas.microsoft.com/office/drawing/2010/main" xmlns="" w="9525">
                   <a:solidFill>
                     <a:srgbClr val="000000"/>
                   </a:solidFill>
@@ -2313,7 +2313,7 @@
             </a:ln>
             <a:extLst>
               <a:ext uri="{91240B29-F687-4f45-9708-019B960494DF}">
-                <a14:hiddenLine xmlns="" xmlns:a14="http://schemas.microsoft.com/office/drawing/2010/main" w="9525">
+                <a14:hiddenLine xmlns:a14="http://schemas.microsoft.com/office/drawing/2010/main" xmlns="" w="9525">
                   <a:solidFill>
                     <a:srgbClr val="000000"/>
                   </a:solidFill>
@@ -2347,7 +2347,7 @@
             </a:ln>
             <a:extLst>
               <a:ext uri="{91240B29-F687-4f45-9708-019B960494DF}">
-                <a14:hiddenLine xmlns="" xmlns:a14="http://schemas.microsoft.com/office/drawing/2010/main" w="9525">
+                <a14:hiddenLine xmlns:a14="http://schemas.microsoft.com/office/drawing/2010/main" xmlns="" w="9525">
                   <a:solidFill>
                     <a:srgbClr val="000000"/>
                   </a:solidFill>
@@ -2437,7 +2437,7 @@
             </a:ln>
             <a:extLst>
               <a:ext uri="{91240B29-F687-4f45-9708-019B960494DF}">
-                <a14:hiddenLine xmlns="" xmlns:a14="http://schemas.microsoft.com/office/drawing/2010/main" w="9525">
+                <a14:hiddenLine xmlns:a14="http://schemas.microsoft.com/office/drawing/2010/main" xmlns="" w="9525">
                   <a:solidFill>
                     <a:srgbClr val="000000"/>
                   </a:solidFill>
@@ -2499,7 +2499,7 @@
             </a:ln>
             <a:extLst>
               <a:ext uri="{91240B29-F687-4f45-9708-019B960494DF}">
-                <a14:hiddenLine xmlns="" xmlns:a14="http://schemas.microsoft.com/office/drawing/2010/main" w="9525">
+                <a14:hiddenLine xmlns:a14="http://schemas.microsoft.com/office/drawing/2010/main" xmlns="" w="9525">
                   <a:solidFill>
                     <a:srgbClr val="000000"/>
                   </a:solidFill>
@@ -2561,7 +2561,7 @@
             </a:ln>
             <a:extLst>
               <a:ext uri="{91240B29-F687-4f45-9708-019B960494DF}">
-                <a14:hiddenLine xmlns="" xmlns:a14="http://schemas.microsoft.com/office/drawing/2010/main" w="9525">
+                <a14:hiddenLine xmlns:a14="http://schemas.microsoft.com/office/drawing/2010/main" xmlns="" w="9525">
                   <a:solidFill>
                     <a:srgbClr val="000000"/>
                   </a:solidFill>
@@ -2651,7 +2651,7 @@
             </a:ln>
             <a:extLst>
               <a:ext uri="{91240B29-F687-4f45-9708-019B960494DF}">
-                <a14:hiddenLine xmlns="" xmlns:a14="http://schemas.microsoft.com/office/drawing/2010/main" w="9525">
+                <a14:hiddenLine xmlns:a14="http://schemas.microsoft.com/office/drawing/2010/main" xmlns="" w="9525">
                   <a:solidFill>
                     <a:srgbClr val="000000"/>
                   </a:solidFill>
@@ -2719,7 +2719,7 @@
             </a:ln>
             <a:extLst>
               <a:ext uri="{91240B29-F687-4f45-9708-019B960494DF}">
-                <a14:hiddenLine xmlns="" xmlns:a14="http://schemas.microsoft.com/office/drawing/2010/main" w="9525">
+                <a14:hiddenLine xmlns:a14="http://schemas.microsoft.com/office/drawing/2010/main" xmlns="" w="9525">
                   <a:solidFill>
                     <a:srgbClr val="000000"/>
                   </a:solidFill>
@@ -2781,7 +2781,7 @@
             </a:ln>
             <a:extLst>
               <a:ext uri="{91240B29-F687-4f45-9708-019B960494DF}">
-                <a14:hiddenLine xmlns="" xmlns:a14="http://schemas.microsoft.com/office/drawing/2010/main" w="9525">
+                <a14:hiddenLine xmlns:a14="http://schemas.microsoft.com/office/drawing/2010/main" xmlns="" w="9525">
                   <a:solidFill>
                     <a:srgbClr val="000000"/>
                   </a:solidFill>
@@ -2871,7 +2871,7 @@
             </a:ln>
             <a:extLst>
               <a:ext uri="{91240B29-F687-4f45-9708-019B960494DF}">
-                <a14:hiddenLine xmlns="" xmlns:a14="http://schemas.microsoft.com/office/drawing/2010/main" w="9525">
+                <a14:hiddenLine xmlns:a14="http://schemas.microsoft.com/office/drawing/2010/main" xmlns="" w="9525">
                   <a:solidFill>
                     <a:srgbClr val="000000"/>
                   </a:solidFill>
@@ -2933,7 +2933,7 @@
             </a:ln>
             <a:extLst>
               <a:ext uri="{91240B29-F687-4f45-9708-019B960494DF}">
-                <a14:hiddenLine xmlns="" xmlns:a14="http://schemas.microsoft.com/office/drawing/2010/main" w="9525">
+                <a14:hiddenLine xmlns:a14="http://schemas.microsoft.com/office/drawing/2010/main" xmlns="" w="9525">
                   <a:solidFill>
                     <a:srgbClr val="000000"/>
                   </a:solidFill>
@@ -3023,7 +3023,7 @@
             </a:ln>
             <a:extLst>
               <a:ext uri="{91240B29-F687-4f45-9708-019B960494DF}">
-                <a14:hiddenLine xmlns="" xmlns:a14="http://schemas.microsoft.com/office/drawing/2010/main" w="9525">
+                <a14:hiddenLine xmlns:a14="http://schemas.microsoft.com/office/drawing/2010/main" xmlns="" w="9525">
                   <a:solidFill>
                     <a:srgbClr val="000000"/>
                   </a:solidFill>
@@ -3085,7 +3085,7 @@
             </a:ln>
             <a:extLst>
               <a:ext uri="{91240B29-F687-4f45-9708-019B960494DF}">
-                <a14:hiddenLine xmlns="" xmlns:a14="http://schemas.microsoft.com/office/drawing/2010/main" w="9525">
+                <a14:hiddenLine xmlns:a14="http://schemas.microsoft.com/office/drawing/2010/main" xmlns="" w="9525">
                   <a:solidFill>
                     <a:srgbClr val="000000"/>
                   </a:solidFill>
@@ -3175,7 +3175,7 @@
             </a:ln>
             <a:extLst>
               <a:ext uri="{91240B29-F687-4f45-9708-019B960494DF}">
-                <a14:hiddenLine xmlns="" xmlns:a14="http://schemas.microsoft.com/office/drawing/2010/main" w="9525">
+                <a14:hiddenLine xmlns:a14="http://schemas.microsoft.com/office/drawing/2010/main" xmlns="" w="9525">
                   <a:solidFill>
                     <a:srgbClr val="000000"/>
                   </a:solidFill>
@@ -3209,7 +3209,7 @@
             </a:ln>
             <a:extLst>
               <a:ext uri="{91240B29-F687-4f45-9708-019B960494DF}">
-                <a14:hiddenLine xmlns="" xmlns:a14="http://schemas.microsoft.com/office/drawing/2010/main" w="9525">
+                <a14:hiddenLine xmlns:a14="http://schemas.microsoft.com/office/drawing/2010/main" xmlns="" w="9525">
                   <a:solidFill>
                     <a:srgbClr val="000000"/>
                   </a:solidFill>
@@ -3274,7 +3274,7 @@
             </a:ln>
             <a:extLst>
               <a:ext uri="{91240B29-F687-4f45-9708-019B960494DF}">
-                <a14:hiddenLine xmlns="" xmlns:a14="http://schemas.microsoft.com/office/drawing/2010/main" w="9525">
+                <a14:hiddenLine xmlns:a14="http://schemas.microsoft.com/office/drawing/2010/main" xmlns="" w="9525">
                   <a:solidFill>
                     <a:srgbClr val="000000"/>
                   </a:solidFill>
@@ -3364,7 +3364,7 @@
             </a:ln>
             <a:extLst>
               <a:ext uri="{91240B29-F687-4f45-9708-019B960494DF}">
-                <a14:hiddenLine xmlns="" xmlns:a14="http://schemas.microsoft.com/office/drawing/2010/main" w="9525">
+                <a14:hiddenLine xmlns:a14="http://schemas.microsoft.com/office/drawing/2010/main" xmlns="" w="9525">
                   <a:solidFill>
                     <a:srgbClr val="000000"/>
                   </a:solidFill>
@@ -3426,7 +3426,7 @@
             </a:ln>
             <a:extLst>
               <a:ext uri="{91240B29-F687-4f45-9708-019B960494DF}">
-                <a14:hiddenLine xmlns="" xmlns:a14="http://schemas.microsoft.com/office/drawing/2010/main" w="9525">
+                <a14:hiddenLine xmlns:a14="http://schemas.microsoft.com/office/drawing/2010/main" xmlns="" w="9525">
                   <a:solidFill>
                     <a:srgbClr val="000000"/>
                   </a:solidFill>
@@ -3516,7 +3516,7 @@
             </a:ln>
             <a:extLst>
               <a:ext uri="{91240B29-F687-4f45-9708-019B960494DF}">
-                <a14:hiddenLine xmlns="" xmlns:a14="http://schemas.microsoft.com/office/drawing/2010/main" w="9525">
+                <a14:hiddenLine xmlns:a14="http://schemas.microsoft.com/office/drawing/2010/main" xmlns="" w="9525">
                   <a:solidFill>
                     <a:srgbClr val="000000"/>
                   </a:solidFill>
@@ -3606,7 +3606,7 @@
             </a:ln>
             <a:extLst>
               <a:ext uri="{91240B29-F687-4f45-9708-019B960494DF}">
-                <a14:hiddenLine xmlns="" xmlns:a14="http://schemas.microsoft.com/office/drawing/2010/main" w="9525">
+                <a14:hiddenLine xmlns:a14="http://schemas.microsoft.com/office/drawing/2010/main" xmlns="" w="9525">
                   <a:solidFill>
                     <a:srgbClr val="000000"/>
                   </a:solidFill>
@@ -3671,7 +3671,7 @@
             </a:ln>
             <a:extLst>
               <a:ext uri="{91240B29-F687-4f45-9708-019B960494DF}">
-                <a14:hiddenLine xmlns="" xmlns:a14="http://schemas.microsoft.com/office/drawing/2010/main" w="9525">
+                <a14:hiddenLine xmlns:a14="http://schemas.microsoft.com/office/drawing/2010/main" xmlns="" w="9525">
                   <a:solidFill>
                     <a:srgbClr val="000000"/>
                   </a:solidFill>
@@ -3733,7 +3733,7 @@
             </a:ln>
             <a:extLst>
               <a:ext uri="{91240B29-F687-4f45-9708-019B960494DF}">
-                <a14:hiddenLine xmlns="" xmlns:a14="http://schemas.microsoft.com/office/drawing/2010/main" w="9525">
+                <a14:hiddenLine xmlns:a14="http://schemas.microsoft.com/office/drawing/2010/main" xmlns="" w="9525">
                   <a:solidFill>
                     <a:srgbClr val="000000"/>
                   </a:solidFill>
@@ -3823,7 +3823,7 @@
             </a:ln>
             <a:extLst>
               <a:ext uri="{91240B29-F687-4f45-9708-019B960494DF}">
-                <a14:hiddenLine xmlns="" xmlns:a14="http://schemas.microsoft.com/office/drawing/2010/main" w="9525">
+                <a14:hiddenLine xmlns:a14="http://schemas.microsoft.com/office/drawing/2010/main" xmlns="" w="9525">
                   <a:solidFill>
                     <a:srgbClr val="000000"/>
                   </a:solidFill>
@@ -3913,7 +3913,7 @@
             </a:ln>
             <a:extLst>
               <a:ext uri="{91240B29-F687-4f45-9708-019B960494DF}">
-                <a14:hiddenLine xmlns="" xmlns:a14="http://schemas.microsoft.com/office/drawing/2010/main" w="9525">
+                <a14:hiddenLine xmlns:a14="http://schemas.microsoft.com/office/drawing/2010/main" xmlns="" w="9525">
                   <a:solidFill>
                     <a:srgbClr val="000000"/>
                   </a:solidFill>
@@ -3975,7 +3975,7 @@
             </a:ln>
             <a:extLst>
               <a:ext uri="{91240B29-F687-4f45-9708-019B960494DF}">
-                <a14:hiddenLine xmlns="" xmlns:a14="http://schemas.microsoft.com/office/drawing/2010/main" w="9525">
+                <a14:hiddenLine xmlns:a14="http://schemas.microsoft.com/office/drawing/2010/main" xmlns="" w="9525">
                   <a:solidFill>
                     <a:srgbClr val="000000"/>
                   </a:solidFill>
@@ -4095,7 +4095,7 @@
             </a:ln>
             <a:extLst>
               <a:ext uri="{91240B29-F687-4f45-9708-019B960494DF}">
-                <a14:hiddenLine xmlns="" xmlns:a14="http://schemas.microsoft.com/office/drawing/2010/main" w="9525">
+                <a14:hiddenLine xmlns:a14="http://schemas.microsoft.com/office/drawing/2010/main" xmlns="" w="9525">
                   <a:solidFill>
                     <a:srgbClr val="000000"/>
                   </a:solidFill>
@@ -4163,7 +4163,7 @@
             </a:ln>
             <a:extLst>
               <a:ext uri="{91240B29-F687-4f45-9708-019B960494DF}">
-                <a14:hiddenLine xmlns="" xmlns:a14="http://schemas.microsoft.com/office/drawing/2010/main" w="9525">
+                <a14:hiddenLine xmlns:a14="http://schemas.microsoft.com/office/drawing/2010/main" xmlns="" w="9525">
                   <a:solidFill>
                     <a:srgbClr val="000000"/>
                   </a:solidFill>
@@ -4253,7 +4253,7 @@
             </a:ln>
             <a:extLst>
               <a:ext uri="{91240B29-F687-4f45-9708-019B960494DF}">
-                <a14:hiddenLine xmlns="" xmlns:a14="http://schemas.microsoft.com/office/drawing/2010/main" w="9525">
+                <a14:hiddenLine xmlns:a14="http://schemas.microsoft.com/office/drawing/2010/main" xmlns="" w="9525">
                   <a:solidFill>
                     <a:srgbClr val="000000"/>
                   </a:solidFill>
@@ -8975,7 +8975,7 @@
           <a:noFill/>
           <a:extLst>
             <a:ext uri="{909E8E84-426E-40dd-AFC4-6F175D3DCCD1}">
-              <a14:hiddenFill xmlns="" xmlns:a14="http://schemas.microsoft.com/office/drawing/2010/main">
+              <a14:hiddenFill xmlns:a14="http://schemas.microsoft.com/office/drawing/2010/main" xmlns="">
                 <a:solidFill>
                   <a:srgbClr val="FFFFFF"/>
                 </a:solidFill>
@@ -9049,7 +9049,7 @@
               </a:ln>
               <a:extLst>
                 <a:ext uri="{91240B29-F687-4f45-9708-019B960494DF}">
-                  <a14:hiddenLine xmlns="" xmlns:a14="http://schemas.microsoft.com/office/drawing/2010/main" w="9525">
+                  <a14:hiddenLine xmlns:a14="http://schemas.microsoft.com/office/drawing/2010/main" xmlns="" w="9525">
                     <a:solidFill>
                       <a:srgbClr val="000000"/>
                     </a:solidFill>
@@ -9139,7 +9139,7 @@
               </a:ln>
               <a:extLst>
                 <a:ext uri="{91240B29-F687-4f45-9708-019B960494DF}">
-                  <a14:hiddenLine xmlns="" xmlns:a14="http://schemas.microsoft.com/office/drawing/2010/main" w="9525">
+                  <a14:hiddenLine xmlns:a14="http://schemas.microsoft.com/office/drawing/2010/main" xmlns="" w="9525">
                     <a:solidFill>
                       <a:srgbClr val="000000"/>
                     </a:solidFill>
@@ -9229,7 +9229,7 @@
               </a:ln>
               <a:extLst>
                 <a:ext uri="{91240B29-F687-4f45-9708-019B960494DF}">
-                  <a14:hiddenLine xmlns="" xmlns:a14="http://schemas.microsoft.com/office/drawing/2010/main" w="9525">
+                  <a14:hiddenLine xmlns:a14="http://schemas.microsoft.com/office/drawing/2010/main" xmlns="" w="9525">
                     <a:solidFill>
                       <a:srgbClr val="000000"/>
                     </a:solidFill>
@@ -9291,7 +9291,7 @@
               </a:ln>
               <a:extLst>
                 <a:ext uri="{91240B29-F687-4f45-9708-019B960494DF}">
-                  <a14:hiddenLine xmlns="" xmlns:a14="http://schemas.microsoft.com/office/drawing/2010/main" w="9525">
+                  <a14:hiddenLine xmlns:a14="http://schemas.microsoft.com/office/drawing/2010/main" xmlns="" w="9525">
                     <a:solidFill>
                       <a:srgbClr val="000000"/>
                     </a:solidFill>
@@ -9381,7 +9381,7 @@
               </a:ln>
               <a:extLst>
                 <a:ext uri="{91240B29-F687-4f45-9708-019B960494DF}">
-                  <a14:hiddenLine xmlns="" xmlns:a14="http://schemas.microsoft.com/office/drawing/2010/main" w="9525">
+                  <a14:hiddenLine xmlns:a14="http://schemas.microsoft.com/office/drawing/2010/main" xmlns="" w="9525">
                     <a:solidFill>
                       <a:srgbClr val="000000"/>
                     </a:solidFill>
@@ -9443,7 +9443,7 @@
               </a:ln>
               <a:extLst>
                 <a:ext uri="{91240B29-F687-4f45-9708-019B960494DF}">
-                  <a14:hiddenLine xmlns="" xmlns:a14="http://schemas.microsoft.com/office/drawing/2010/main" w="9525">
+                  <a14:hiddenLine xmlns:a14="http://schemas.microsoft.com/office/drawing/2010/main" xmlns="" w="9525">
                     <a:solidFill>
                       <a:srgbClr val="000000"/>
                     </a:solidFill>
@@ -9505,7 +9505,7 @@
               </a:ln>
               <a:extLst>
                 <a:ext uri="{91240B29-F687-4f45-9708-019B960494DF}">
-                  <a14:hiddenLine xmlns="" xmlns:a14="http://schemas.microsoft.com/office/drawing/2010/main" w="9525">
+                  <a14:hiddenLine xmlns:a14="http://schemas.microsoft.com/office/drawing/2010/main" xmlns="" w="9525">
                     <a:solidFill>
                       <a:srgbClr val="000000"/>
                     </a:solidFill>
@@ -9595,7 +9595,7 @@
               </a:ln>
               <a:extLst>
                 <a:ext uri="{91240B29-F687-4f45-9708-019B960494DF}">
-                  <a14:hiddenLine xmlns="" xmlns:a14="http://schemas.microsoft.com/office/drawing/2010/main" w="9525">
+                  <a14:hiddenLine xmlns:a14="http://schemas.microsoft.com/office/drawing/2010/main" xmlns="" w="9525">
                     <a:solidFill>
                       <a:srgbClr val="000000"/>
                     </a:solidFill>
@@ -9685,7 +9685,7 @@
               </a:ln>
               <a:extLst>
                 <a:ext uri="{91240B29-F687-4f45-9708-019B960494DF}">
-                  <a14:hiddenLine xmlns="" xmlns:a14="http://schemas.microsoft.com/office/drawing/2010/main" w="9525">
+                  <a14:hiddenLine xmlns:a14="http://schemas.microsoft.com/office/drawing/2010/main" xmlns="" w="9525">
                     <a:solidFill>
                       <a:srgbClr val="000000"/>
                     </a:solidFill>
@@ -9747,7 +9747,7 @@
               </a:ln>
               <a:extLst>
                 <a:ext uri="{91240B29-F687-4f45-9708-019B960494DF}">
-                  <a14:hiddenLine xmlns="" xmlns:a14="http://schemas.microsoft.com/office/drawing/2010/main" w="9525">
+                  <a14:hiddenLine xmlns:a14="http://schemas.microsoft.com/office/drawing/2010/main" xmlns="" w="9525">
                     <a:solidFill>
                       <a:srgbClr val="000000"/>
                     </a:solidFill>
@@ -9857,7 +9857,7 @@
               </a:ln>
               <a:extLst>
                 <a:ext uri="{91240B29-F687-4f45-9708-019B960494DF}">
-                  <a14:hiddenLine xmlns="" xmlns:a14="http://schemas.microsoft.com/office/drawing/2010/main" w="9525">
+                  <a14:hiddenLine xmlns:a14="http://schemas.microsoft.com/office/drawing/2010/main" xmlns="" w="9525">
                     <a:solidFill>
                       <a:srgbClr val="000000"/>
                     </a:solidFill>
@@ -9941,7 +9941,7 @@
               </a:ln>
               <a:extLst>
                 <a:ext uri="{91240B29-F687-4f45-9708-019B960494DF}">
-                  <a14:hiddenLine xmlns="" xmlns:a14="http://schemas.microsoft.com/office/drawing/2010/main" w="9525">
+                  <a14:hiddenLine xmlns:a14="http://schemas.microsoft.com/office/drawing/2010/main" xmlns="" w="9525">
                     <a:solidFill>
                       <a:srgbClr val="000000"/>
                     </a:solidFill>
@@ -10003,7 +10003,7 @@
               </a:ln>
               <a:extLst>
                 <a:ext uri="{91240B29-F687-4f45-9708-019B960494DF}">
-                  <a14:hiddenLine xmlns="" xmlns:a14="http://schemas.microsoft.com/office/drawing/2010/main" w="9525">
+                  <a14:hiddenLine xmlns:a14="http://schemas.microsoft.com/office/drawing/2010/main" xmlns="" w="9525">
                     <a:solidFill>
                       <a:srgbClr val="000000"/>
                     </a:solidFill>
@@ -10065,7 +10065,7 @@
               </a:ln>
               <a:extLst>
                 <a:ext uri="{91240B29-F687-4f45-9708-019B960494DF}">
-                  <a14:hiddenLine xmlns="" xmlns:a14="http://schemas.microsoft.com/office/drawing/2010/main" w="9525">
+                  <a14:hiddenLine xmlns:a14="http://schemas.microsoft.com/office/drawing/2010/main" xmlns="" w="9525">
                     <a:solidFill>
                       <a:srgbClr val="000000"/>
                     </a:solidFill>
@@ -10155,7 +10155,7 @@
               </a:ln>
               <a:extLst>
                 <a:ext uri="{91240B29-F687-4f45-9708-019B960494DF}">
-                  <a14:hiddenLine xmlns="" xmlns:a14="http://schemas.microsoft.com/office/drawing/2010/main" w="9525">
+                  <a14:hiddenLine xmlns:a14="http://schemas.microsoft.com/office/drawing/2010/main" xmlns="" w="9525">
                     <a:solidFill>
                       <a:srgbClr val="000000"/>
                     </a:solidFill>
@@ -10189,7 +10189,7 @@
               </a:ln>
               <a:extLst>
                 <a:ext uri="{91240B29-F687-4f45-9708-019B960494DF}">
-                  <a14:hiddenLine xmlns="" xmlns:a14="http://schemas.microsoft.com/office/drawing/2010/main" w="9525">
+                  <a14:hiddenLine xmlns:a14="http://schemas.microsoft.com/office/drawing/2010/main" xmlns="" w="9525">
                     <a:solidFill>
                       <a:srgbClr val="000000"/>
                     </a:solidFill>
@@ -10254,7 +10254,7 @@
               </a:ln>
               <a:extLst>
                 <a:ext uri="{91240B29-F687-4f45-9708-019B960494DF}">
-                  <a14:hiddenLine xmlns="" xmlns:a14="http://schemas.microsoft.com/office/drawing/2010/main" w="9525">
+                  <a14:hiddenLine xmlns:a14="http://schemas.microsoft.com/office/drawing/2010/main" xmlns="" w="9525">
                     <a:solidFill>
                       <a:srgbClr val="000000"/>
                     </a:solidFill>
@@ -10344,7 +10344,7 @@
               </a:ln>
               <a:extLst>
                 <a:ext uri="{91240B29-F687-4f45-9708-019B960494DF}">
-                  <a14:hiddenLine xmlns="" xmlns:a14="http://schemas.microsoft.com/office/drawing/2010/main" w="9525">
+                  <a14:hiddenLine xmlns:a14="http://schemas.microsoft.com/office/drawing/2010/main" xmlns="" w="9525">
                     <a:solidFill>
                       <a:srgbClr val="000000"/>
                     </a:solidFill>
@@ -10406,7 +10406,7 @@
               </a:ln>
               <a:extLst>
                 <a:ext uri="{91240B29-F687-4f45-9708-019B960494DF}">
-                  <a14:hiddenLine xmlns="" xmlns:a14="http://schemas.microsoft.com/office/drawing/2010/main" w="9525">
+                  <a14:hiddenLine xmlns:a14="http://schemas.microsoft.com/office/drawing/2010/main" xmlns="" w="9525">
                     <a:solidFill>
                       <a:srgbClr val="000000"/>
                     </a:solidFill>
@@ -10496,7 +10496,7 @@
               </a:ln>
               <a:extLst>
                 <a:ext uri="{91240B29-F687-4f45-9708-019B960494DF}">
-                  <a14:hiddenLine xmlns="" xmlns:a14="http://schemas.microsoft.com/office/drawing/2010/main" w="9525">
+                  <a14:hiddenLine xmlns:a14="http://schemas.microsoft.com/office/drawing/2010/main" xmlns="" w="9525">
                     <a:solidFill>
                       <a:srgbClr val="000000"/>
                     </a:solidFill>
@@ -10561,7 +10561,7 @@
               </a:ln>
               <a:extLst>
                 <a:ext uri="{91240B29-F687-4f45-9708-019B960494DF}">
-                  <a14:hiddenLine xmlns="" xmlns:a14="http://schemas.microsoft.com/office/drawing/2010/main" w="9525">
+                  <a14:hiddenLine xmlns:a14="http://schemas.microsoft.com/office/drawing/2010/main" xmlns="" w="9525">
                     <a:solidFill>
                       <a:srgbClr val="000000"/>
                     </a:solidFill>
@@ -10623,7 +10623,7 @@
               </a:ln>
               <a:extLst>
                 <a:ext uri="{91240B29-F687-4f45-9708-019B960494DF}">
-                  <a14:hiddenLine xmlns="" xmlns:a14="http://schemas.microsoft.com/office/drawing/2010/main" w="9525">
+                  <a14:hiddenLine xmlns:a14="http://schemas.microsoft.com/office/drawing/2010/main" xmlns="" w="9525">
                     <a:solidFill>
                       <a:srgbClr val="000000"/>
                     </a:solidFill>
@@ -10713,7 +10713,7 @@
               </a:ln>
               <a:extLst>
                 <a:ext uri="{91240B29-F687-4f45-9708-019B960494DF}">
-                  <a14:hiddenLine xmlns="" xmlns:a14="http://schemas.microsoft.com/office/drawing/2010/main" w="9525">
+                  <a14:hiddenLine xmlns:a14="http://schemas.microsoft.com/office/drawing/2010/main" xmlns="" w="9525">
                     <a:solidFill>
                       <a:srgbClr val="000000"/>
                     </a:solidFill>
@@ -10803,7 +10803,7 @@
               </a:ln>
               <a:extLst>
                 <a:ext uri="{91240B29-F687-4f45-9708-019B960494DF}">
-                  <a14:hiddenLine xmlns="" xmlns:a14="http://schemas.microsoft.com/office/drawing/2010/main" w="9525">
+                  <a14:hiddenLine xmlns:a14="http://schemas.microsoft.com/office/drawing/2010/main" xmlns="" w="9525">
                     <a:solidFill>
                       <a:srgbClr val="000000"/>
                     </a:solidFill>
@@ -10868,7 +10868,7 @@
               </a:ln>
               <a:extLst>
                 <a:ext uri="{91240B29-F687-4f45-9708-019B960494DF}">
-                  <a14:hiddenLine xmlns="" xmlns:a14="http://schemas.microsoft.com/office/drawing/2010/main" w="9525">
+                  <a14:hiddenLine xmlns:a14="http://schemas.microsoft.com/office/drawing/2010/main" xmlns="" w="9525">
                     <a:solidFill>
                       <a:srgbClr val="000000"/>
                     </a:solidFill>
@@ -10988,7 +10988,7 @@
               </a:ln>
               <a:extLst>
                 <a:ext uri="{91240B29-F687-4f45-9708-019B960494DF}">
-                  <a14:hiddenLine xmlns="" xmlns:a14="http://schemas.microsoft.com/office/drawing/2010/main" w="9525">
+                  <a14:hiddenLine xmlns:a14="http://schemas.microsoft.com/office/drawing/2010/main" xmlns="" w="9525">
                     <a:solidFill>
                       <a:srgbClr val="000000"/>
                     </a:solidFill>
@@ -11086,7 +11086,7 @@
               </a:ln>
               <a:extLst>
                 <a:ext uri="{91240B29-F687-4f45-9708-019B960494DF}">
-                  <a14:hiddenLine xmlns="" xmlns:a14="http://schemas.microsoft.com/office/drawing/2010/main" w="9525">
+                  <a14:hiddenLine xmlns:a14="http://schemas.microsoft.com/office/drawing/2010/main" xmlns="" w="9525">
                     <a:solidFill>
                       <a:srgbClr val="000000"/>
                     </a:solidFill>
@@ -11201,7 +11201,7 @@
               </a:ln>
               <a:extLst>
                 <a:ext uri="{91240B29-F687-4f45-9708-019B960494DF}">
-                  <a14:hiddenLine xmlns="" xmlns:a14="http://schemas.microsoft.com/office/drawing/2010/main" w="9525">
+                  <a14:hiddenLine xmlns:a14="http://schemas.microsoft.com/office/drawing/2010/main" xmlns="" w="9525">
                     <a:solidFill>
                       <a:srgbClr val="000000"/>
                     </a:solidFill>
@@ -11291,7 +11291,7 @@
               </a:ln>
               <a:extLst>
                 <a:ext uri="{91240B29-F687-4f45-9708-019B960494DF}">
-                  <a14:hiddenLine xmlns="" xmlns:a14="http://schemas.microsoft.com/office/drawing/2010/main" w="9525">
+                  <a14:hiddenLine xmlns:a14="http://schemas.microsoft.com/office/drawing/2010/main" xmlns="" w="9525">
                     <a:solidFill>
                       <a:srgbClr val="000000"/>
                     </a:solidFill>
@@ -11356,7 +11356,7 @@
               </a:ln>
               <a:extLst>
                 <a:ext uri="{91240B29-F687-4f45-9708-019B960494DF}">
-                  <a14:hiddenLine xmlns="" xmlns:a14="http://schemas.microsoft.com/office/drawing/2010/main" w="9525">
+                  <a14:hiddenLine xmlns:a14="http://schemas.microsoft.com/office/drawing/2010/main" xmlns="" w="9525">
                     <a:solidFill>
                       <a:srgbClr val="000000"/>
                     </a:solidFill>
@@ -11446,7 +11446,7 @@
               </a:ln>
               <a:extLst>
                 <a:ext uri="{91240B29-F687-4f45-9708-019B960494DF}">
-                  <a14:hiddenLine xmlns="" xmlns:a14="http://schemas.microsoft.com/office/drawing/2010/main" w="9525">
+                  <a14:hiddenLine xmlns:a14="http://schemas.microsoft.com/office/drawing/2010/main" xmlns="" w="9525">
                     <a:solidFill>
                       <a:srgbClr val="000000"/>
                     </a:solidFill>
@@ -11514,7 +11514,7 @@
               </a:ln>
               <a:extLst>
                 <a:ext uri="{91240B29-F687-4f45-9708-019B960494DF}">
-                  <a14:hiddenLine xmlns="" xmlns:a14="http://schemas.microsoft.com/office/drawing/2010/main" w="9525">
+                  <a14:hiddenLine xmlns:a14="http://schemas.microsoft.com/office/drawing/2010/main" xmlns="" w="9525">
                     <a:solidFill>
                       <a:srgbClr val="000000"/>
                     </a:solidFill>
@@ -11604,7 +11604,7 @@
               </a:ln>
               <a:extLst>
                 <a:ext uri="{91240B29-F687-4f45-9708-019B960494DF}">
-                  <a14:hiddenLine xmlns="" xmlns:a14="http://schemas.microsoft.com/office/drawing/2010/main" w="9525">
+                  <a14:hiddenLine xmlns:a14="http://schemas.microsoft.com/office/drawing/2010/main" xmlns="" w="9525">
                     <a:solidFill>
                       <a:srgbClr val="000000"/>
                     </a:solidFill>
@@ -11672,7 +11672,7 @@
               </a:ln>
               <a:extLst>
                 <a:ext uri="{91240B29-F687-4f45-9708-019B960494DF}">
-                  <a14:hiddenLine xmlns="" xmlns:a14="http://schemas.microsoft.com/office/drawing/2010/main" w="9525">
+                  <a14:hiddenLine xmlns:a14="http://schemas.microsoft.com/office/drawing/2010/main" xmlns="" w="9525">
                     <a:solidFill>
                       <a:srgbClr val="000000"/>
                     </a:solidFill>
@@ -11762,7 +11762,7 @@
               </a:ln>
               <a:extLst>
                 <a:ext uri="{91240B29-F687-4f45-9708-019B960494DF}">
-                  <a14:hiddenLine xmlns="" xmlns:a14="http://schemas.microsoft.com/office/drawing/2010/main" w="9525">
+                  <a14:hiddenLine xmlns:a14="http://schemas.microsoft.com/office/drawing/2010/main" xmlns="" w="9525">
                     <a:solidFill>
                       <a:srgbClr val="000000"/>
                     </a:solidFill>
@@ -11796,7 +11796,7 @@
               </a:ln>
               <a:extLst>
                 <a:ext uri="{91240B29-F687-4f45-9708-019B960494DF}">
-                  <a14:hiddenLine xmlns="" xmlns:a14="http://schemas.microsoft.com/office/drawing/2010/main" w="9525">
+                  <a14:hiddenLine xmlns:a14="http://schemas.microsoft.com/office/drawing/2010/main" xmlns="" w="9525">
                     <a:solidFill>
                       <a:srgbClr val="000000"/>
                     </a:solidFill>
